--- a/chapter 12 - Convolutional Neural Networks/Convolutional Neural Networks.pptx
+++ b/chapter 12 - Convolutional Neural Networks/Convolutional Neural Networks.pptx
@@ -5,7 +5,7 @@
     <p:sldMasterId id="2147483648" r:id="rId1"/>
   </p:sldMasterIdLst>
   <p:notesMasterIdLst>
-    <p:notesMasterId r:id="rId45"/>
+    <p:notesMasterId r:id="rId62"/>
   </p:notesMasterIdLst>
   <p:sldIdLst>
     <p:sldId id="256" r:id="rId2"/>
@@ -51,31 +51,48 @@
     <p:sldId id="285" r:id="rId42"/>
     <p:sldId id="286" r:id="rId43"/>
     <p:sldId id="287" r:id="rId44"/>
+    <p:sldId id="300" r:id="rId45"/>
+    <p:sldId id="301" r:id="rId46"/>
+    <p:sldId id="302" r:id="rId47"/>
+    <p:sldId id="303" r:id="rId48"/>
+    <p:sldId id="307" r:id="rId49"/>
+    <p:sldId id="304" r:id="rId50"/>
+    <p:sldId id="305" r:id="rId51"/>
+    <p:sldId id="306" r:id="rId52"/>
+    <p:sldId id="308" r:id="rId53"/>
+    <p:sldId id="309" r:id="rId54"/>
+    <p:sldId id="310" r:id="rId55"/>
+    <p:sldId id="311" r:id="rId56"/>
+    <p:sldId id="312" r:id="rId57"/>
+    <p:sldId id="313" r:id="rId58"/>
+    <p:sldId id="314" r:id="rId59"/>
+    <p:sldId id="315" r:id="rId60"/>
+    <p:sldId id="316" r:id="rId61"/>
   </p:sldIdLst>
   <p:sldSz cx="9144000" cy="6858000" type="screen4x3"/>
   <p:notesSz cx="6858000" cy="9144000"/>
   <p:embeddedFontLst>
     <p:embeddedFont>
-      <p:font typeface="Calibri" panose="020F0502020204030204" pitchFamily="34" charset="0"/>
-      <p:regular r:id="rId46"/>
-      <p:bold r:id="rId47"/>
-      <p:italic r:id="rId48"/>
-      <p:boldItalic r:id="rId49"/>
+      <p:font typeface="腾祥嘉丽线黑简" panose="02010600030101010101" charset="-122"/>
+      <p:regular r:id="rId63"/>
     </p:embeddedFont>
     <p:embeddedFont>
       <p:font typeface="Open Sans Light" panose="020B0604020202020204" charset="0"/>
-      <p:regular r:id="rId50"/>
+      <p:regular r:id="rId64"/>
     </p:embeddedFont>
     <p:embeddedFont>
       <p:font typeface="verdana" panose="020B0604030504040204" pitchFamily="34" charset="0"/>
-      <p:regular r:id="rId51"/>
-      <p:bold r:id="rId52"/>
-      <p:italic r:id="rId53"/>
-      <p:boldItalic r:id="rId54"/>
+      <p:regular r:id="rId65"/>
+      <p:bold r:id="rId66"/>
+      <p:italic r:id="rId67"/>
+      <p:boldItalic r:id="rId68"/>
     </p:embeddedFont>
     <p:embeddedFont>
-      <p:font typeface="腾祥嘉丽线黑简" panose="02010600030101010101" charset="-122"/>
-      <p:regular r:id="rId55"/>
+      <p:font typeface="Calibri" panose="020F0502020204030204" pitchFamily="34" charset="0"/>
+      <p:regular r:id="rId69"/>
+      <p:bold r:id="rId70"/>
+      <p:italic r:id="rId71"/>
+      <p:boldItalic r:id="rId72"/>
     </p:embeddedFont>
   </p:embeddedFontLst>
   <p:defaultTextStyle>
@@ -274,7 +291,7 @@
           <a:p>
             <a:fld id="{E91DDA70-9ABB-48BD-AFA1-521354C93EB2}" type="datetimeFigureOut">
               <a:rPr lang="zh-CN" altLang="en-US" smtClean="0"/>
-              <a:t>2018/5/30</a:t>
+              <a:t>2018/6/1</a:t>
             </a:fld>
             <a:endParaRPr lang="zh-CN" altLang="en-US"/>
           </a:p>
@@ -824,7 +841,7 @@
           <a:p>
             <a:fld id="{BF353E24-75C5-4466-B8AD-0A8FC8EA8740}" type="datetimeFigureOut">
               <a:rPr lang="zh-CN" altLang="en-US" smtClean="0"/>
-              <a:t>2018/5/30</a:t>
+              <a:t>2018/6/1</a:t>
             </a:fld>
             <a:endParaRPr lang="zh-CN" altLang="en-US"/>
           </a:p>
@@ -1632,7 +1649,7 @@
           <a:p>
             <a:fld id="{BF353E24-75C5-4466-B8AD-0A8FC8EA8740}" type="datetimeFigureOut">
               <a:rPr lang="zh-CN" altLang="en-US" smtClean="0"/>
-              <a:t>2018/5/30</a:t>
+              <a:t>2018/6/1</a:t>
             </a:fld>
             <a:endParaRPr lang="zh-CN" altLang="en-US"/>
           </a:p>
@@ -2003,7 +2020,7 @@
             <a:fld id="{BF353E24-75C5-4466-B8AD-0A8FC8EA8740}" type="datetimeFigureOut">
               <a:rPr lang="zh-CN" altLang="en-US" smtClean="0"/>
               <a:pPr/>
-              <a:t>2018/5/30</a:t>
+              <a:t>2018/6/1</a:t>
             </a:fld>
             <a:endParaRPr lang="zh-CN" altLang="en-US" dirty="0"/>
           </a:p>
@@ -2600,7 +2617,7 @@
           <a:p>
             <a:fld id="{BF353E24-75C5-4466-B8AD-0A8FC8EA8740}" type="datetimeFigureOut">
               <a:rPr lang="zh-CN" altLang="en-US" smtClean="0"/>
-              <a:t>2018/5/30</a:t>
+              <a:t>2018/6/1</a:t>
             </a:fld>
             <a:endParaRPr lang="zh-CN" altLang="en-US"/>
           </a:p>
@@ -3030,7 +3047,7 @@
           <a:p>
             <a:fld id="{BF353E24-75C5-4466-B8AD-0A8FC8EA8740}" type="datetimeFigureOut">
               <a:rPr lang="zh-CN" altLang="en-US" smtClean="0"/>
-              <a:t>2018/5/30</a:t>
+              <a:t>2018/6/1</a:t>
             </a:fld>
             <a:endParaRPr lang="zh-CN" altLang="en-US"/>
           </a:p>
@@ -3929,7 +3946,7 @@
           <a:p>
             <a:fld id="{BF353E24-75C5-4466-B8AD-0A8FC8EA8740}" type="datetimeFigureOut">
               <a:rPr lang="zh-CN" altLang="en-US" smtClean="0"/>
-              <a:t>2018/5/30</a:t>
+              <a:t>2018/6/1</a:t>
             </a:fld>
             <a:endParaRPr lang="zh-CN" altLang="en-US"/>
           </a:p>
@@ -4315,7 +4332,7 @@
           <a:p>
             <a:fld id="{BF353E24-75C5-4466-B8AD-0A8FC8EA8740}" type="datetimeFigureOut">
               <a:rPr lang="zh-CN" altLang="en-US" smtClean="0"/>
-              <a:t>2018/5/30</a:t>
+              <a:t>2018/6/1</a:t>
             </a:fld>
             <a:endParaRPr lang="zh-CN" altLang="en-US"/>
           </a:p>
@@ -4530,7 +4547,7 @@
           <a:p>
             <a:fld id="{BF353E24-75C5-4466-B8AD-0A8FC8EA8740}" type="datetimeFigureOut">
               <a:rPr lang="zh-CN" altLang="en-US" smtClean="0"/>
-              <a:t>2018/5/30</a:t>
+              <a:t>2018/6/1</a:t>
             </a:fld>
             <a:endParaRPr lang="zh-CN" altLang="en-US"/>
           </a:p>
@@ -4764,7 +4781,7 @@
             <a:fld id="{BF353E24-75C5-4466-B8AD-0A8FC8EA8740}" type="datetimeFigureOut">
               <a:rPr lang="zh-CN" altLang="en-US" smtClean="0"/>
               <a:pPr/>
-              <a:t>2018/5/30</a:t>
+              <a:t>2018/6/1</a:t>
             </a:fld>
             <a:endParaRPr lang="zh-CN" altLang="en-US"/>
           </a:p>
@@ -5645,7 +5662,7 @@
           <a:graphicData uri="http://schemas.openxmlformats.org/presentationml/2006/ole">
             <mc:AlternateContent xmlns:mc="http://schemas.openxmlformats.org/markup-compatibility/2006">
               <mc:Choice xmlns:v="urn:schemas-microsoft-com:vml" Requires="v">
-                <p:oleObj spid="_x0000_s4110" name="Equation" r:id="rId4" imgW="1193760" imgH="190440" progId="Equation.DSMT4">
+                <p:oleObj spid="_x0000_s4118" name="Equation" r:id="rId4" imgW="1193760" imgH="190440" progId="Equation.DSMT4">
                   <p:embed/>
                 </p:oleObj>
               </mc:Choice>
@@ -9599,7 +9616,7 @@
           <a:graphicData uri="http://schemas.openxmlformats.org/presentationml/2006/ole">
             <mc:AlternateContent xmlns:mc="http://schemas.openxmlformats.org/markup-compatibility/2006">
               <mc:Choice xmlns:v="urn:schemas-microsoft-com:vml" Requires="v">
-                <p:oleObj spid="_x0000_s1042" name="Equation" r:id="rId4" imgW="1244520" imgH="266400" progId="Equation.DSMT4">
+                <p:oleObj spid="_x0000_s1050" name="Equation" r:id="rId4" imgW="1244520" imgH="266400" progId="Equation.DSMT4">
                   <p:embed/>
                 </p:oleObj>
               </mc:Choice>
@@ -11749,7 +11766,7 @@
           <a:graphicData uri="http://schemas.openxmlformats.org/presentationml/2006/ole">
             <mc:AlternateContent xmlns:mc="http://schemas.openxmlformats.org/markup-compatibility/2006">
               <mc:Choice xmlns:v="urn:schemas-microsoft-com:vml" Requires="v">
-                <p:oleObj spid="_x0000_s2080" name="Equation" r:id="rId3" imgW="863280" imgH="190440" progId="Equation.DSMT4">
+                <p:oleObj spid="_x0000_s2096" name="Equation" r:id="rId3" imgW="863280" imgH="190440" progId="Equation.DSMT4">
                   <p:embed/>
                 </p:oleObj>
               </mc:Choice>
@@ -11806,7 +11823,7 @@
           <a:graphicData uri="http://schemas.openxmlformats.org/presentationml/2006/ole">
             <mc:AlternateContent xmlns:mc="http://schemas.openxmlformats.org/markup-compatibility/2006">
               <mc:Choice xmlns:v="urn:schemas-microsoft-com:vml" Requires="v">
-                <p:oleObj spid="_x0000_s2081" name="Equation" r:id="rId5" imgW="1803240" imgH="393480" progId="Equation.DSMT4">
+                <p:oleObj spid="_x0000_s2097" name="Equation" r:id="rId5" imgW="1803240" imgH="393480" progId="Equation.DSMT4">
                   <p:embed/>
                 </p:oleObj>
               </mc:Choice>
@@ -12444,6 +12461,1433 @@
 </p:sld>
 </file>
 
+<file path=ppt/slides/slide44.xml><?xml version="1.0" encoding="utf-8"?>
+<p:sld xmlns:a="http://schemas.openxmlformats.org/drawingml/2006/main" xmlns:r="http://schemas.openxmlformats.org/officeDocument/2006/relationships" xmlns:p="http://schemas.openxmlformats.org/presentationml/2006/main">
+  <p:cSld>
+    <p:spTree>
+      <p:nvGrpSpPr>
+        <p:cNvPr id="1" name=""/>
+        <p:cNvGrpSpPr/>
+        <p:nvPr/>
+      </p:nvGrpSpPr>
+      <p:grpSpPr>
+        <a:xfrm>
+          <a:off x="0" y="0"/>
+          <a:ext cx="0" cy="0"/>
+          <a:chOff x="0" y="0"/>
+          <a:chExt cx="0" cy="0"/>
+        </a:xfrm>
+      </p:grpSpPr>
+      <p:sp>
+        <p:nvSpPr>
+          <p:cNvPr id="2" name="内容占位符 1"/>
+          <p:cNvSpPr>
+            <a:spLocks noGrp="1"/>
+          </p:cNvSpPr>
+          <p:nvPr>
+            <p:ph sz="half" idx="2"/>
+          </p:nvPr>
+        </p:nvSpPr>
+        <p:spPr/>
+        <p:txBody>
+          <a:bodyPr/>
+          <a:lstStyle/>
+          <a:p>
+            <a:pPr marL="342900" indent="-342900">
+              <a:buFont typeface="Wingdings" panose="05000000000000000000" pitchFamily="2" charset="2"/>
+              <a:buChar char="l"/>
+            </a:pPr>
+            <a:r>
+              <a:rPr lang="en-US" altLang="zh-CN" dirty="0" smtClean="0"/>
+              <a:t>Download the cifar-10 dataset</a:t>
+            </a:r>
+          </a:p>
+          <a:p>
+            <a:r>
+              <a:rPr lang="en-US" altLang="zh-CN" dirty="0">
+                <a:hlinkClick r:id="rId2"/>
+              </a:rPr>
+              <a:t>http://www.cs.toronto.edu/~</a:t>
+            </a:r>
+            <a:r>
+              <a:rPr lang="en-US" altLang="zh-CN" dirty="0" smtClean="0">
+                <a:hlinkClick r:id="rId2"/>
+              </a:rPr>
+              <a:t>kriz/cifar.html</a:t>
+            </a:r>
+            <a:r>
+              <a:rPr lang="en-US" altLang="zh-CN" dirty="0" smtClean="0"/>
+              <a:t> (Python version)</a:t>
+            </a:r>
+          </a:p>
+          <a:p>
+            <a:pPr marL="800100" lvl="1" indent="-342900">
+              <a:buFont typeface="Wingdings" panose="05000000000000000000" pitchFamily="2" charset="2"/>
+              <a:buChar char="Ø"/>
+            </a:pPr>
+            <a:r>
+              <a:rPr lang="en-US" altLang="zh-CN" dirty="0" smtClean="0"/>
+              <a:t>It contains 60000 32x32 color images in classes, witch 6000 images per class.</a:t>
+            </a:r>
+          </a:p>
+          <a:p>
+            <a:pPr marL="800100" lvl="1" indent="-342900">
+              <a:buFont typeface="Wingdings" panose="05000000000000000000" pitchFamily="2" charset="2"/>
+              <a:buChar char="Ø"/>
+            </a:pPr>
+            <a:r>
+              <a:rPr lang="en-US" altLang="zh-CN" dirty="0" smtClean="0"/>
+              <a:t>There are 50000 training images and 10000 testing images</a:t>
+            </a:r>
+            <a:endParaRPr lang="en-US" altLang="zh-CN" dirty="0"/>
+          </a:p>
+          <a:p>
+            <a:endParaRPr lang="zh-CN" altLang="en-US" dirty="0"/>
+          </a:p>
+        </p:txBody>
+      </p:sp>
+      <p:sp>
+        <p:nvSpPr>
+          <p:cNvPr id="3" name="标题 2"/>
+          <p:cNvSpPr>
+            <a:spLocks noGrp="1"/>
+          </p:cNvSpPr>
+          <p:nvPr>
+            <p:ph type="title"/>
+          </p:nvPr>
+        </p:nvSpPr>
+        <p:spPr/>
+        <p:txBody>
+          <a:bodyPr/>
+          <a:lstStyle/>
+          <a:p>
+            <a:r>
+              <a:rPr lang="en-US" altLang="zh-CN" dirty="0" smtClean="0"/>
+              <a:t>Cifar-10</a:t>
+            </a:r>
+            <a:endParaRPr lang="zh-CN" altLang="en-US" dirty="0"/>
+          </a:p>
+        </p:txBody>
+      </p:sp>
+      <p:pic>
+        <p:nvPicPr>
+          <p:cNvPr id="4" name="图片 3"/>
+          <p:cNvPicPr>
+            <a:picLocks noChangeAspect="1"/>
+          </p:cNvPicPr>
+          <p:nvPr/>
+        </p:nvPicPr>
+        <p:blipFill>
+          <a:blip r:embed="rId3">
+            <a:extLst>
+              <a:ext uri="{28A0092B-C50C-407E-A947-70E740481C1C}">
+                <a14:useLocalDpi xmlns:a14="http://schemas.microsoft.com/office/drawing/2010/main" val="0"/>
+              </a:ext>
+            </a:extLst>
+          </a:blip>
+          <a:stretch>
+            <a:fillRect/>
+          </a:stretch>
+        </p:blipFill>
+        <p:spPr>
+          <a:xfrm>
+            <a:off x="1979712" y="3212976"/>
+            <a:ext cx="4496427" cy="3524742"/>
+          </a:xfrm>
+          <a:prstGeom prst="rect">
+            <a:avLst/>
+          </a:prstGeom>
+        </p:spPr>
+      </p:pic>
+    </p:spTree>
+    <p:extLst>
+      <p:ext uri="{BB962C8B-B14F-4D97-AF65-F5344CB8AC3E}">
+        <p14:creationId xmlns:p14="http://schemas.microsoft.com/office/powerpoint/2010/main" val="2747789242"/>
+      </p:ext>
+    </p:extLst>
+  </p:cSld>
+  <p:clrMapOvr>
+    <a:masterClrMapping/>
+  </p:clrMapOvr>
+</p:sld>
+</file>
+
+<file path=ppt/slides/slide45.xml><?xml version="1.0" encoding="utf-8"?>
+<p:sld xmlns:a="http://schemas.openxmlformats.org/drawingml/2006/main" xmlns:r="http://schemas.openxmlformats.org/officeDocument/2006/relationships" xmlns:p="http://schemas.openxmlformats.org/presentationml/2006/main">
+  <p:cSld>
+    <p:spTree>
+      <p:nvGrpSpPr>
+        <p:cNvPr id="1" name=""/>
+        <p:cNvGrpSpPr/>
+        <p:nvPr/>
+      </p:nvGrpSpPr>
+      <p:grpSpPr>
+        <a:xfrm>
+          <a:off x="0" y="0"/>
+          <a:ext cx="0" cy="0"/>
+          <a:chOff x="0" y="0"/>
+          <a:chExt cx="0" cy="0"/>
+        </a:xfrm>
+      </p:grpSpPr>
+      <p:sp>
+        <p:nvSpPr>
+          <p:cNvPr id="2" name="内容占位符 1"/>
+          <p:cNvSpPr>
+            <a:spLocks noGrp="1"/>
+          </p:cNvSpPr>
+          <p:nvPr>
+            <p:ph sz="half" idx="2"/>
+          </p:nvPr>
+        </p:nvSpPr>
+        <p:spPr/>
+        <p:txBody>
+          <a:bodyPr>
+            <a:normAutofit/>
+          </a:bodyPr>
+          <a:lstStyle/>
+          <a:p>
+            <a:pPr marL="342900" indent="-342900">
+              <a:buFont typeface="Wingdings" panose="05000000000000000000" pitchFamily="2" charset="2"/>
+              <a:buChar char="l"/>
+            </a:pPr>
+            <a:r>
+              <a:rPr lang="en-US" altLang="zh-CN" dirty="0" smtClean="0"/>
+              <a:t>Load function</a:t>
+            </a:r>
+          </a:p>
+          <a:p>
+            <a:pPr marL="342900" indent="-342900">
+              <a:buFont typeface="Wingdings" panose="05000000000000000000" pitchFamily="2" charset="2"/>
+              <a:buChar char="l"/>
+            </a:pPr>
+            <a:endParaRPr lang="en-US" altLang="zh-CN" dirty="0"/>
+          </a:p>
+          <a:p>
+            <a:pPr marL="342900" indent="-342900">
+              <a:buFont typeface="Wingdings" panose="05000000000000000000" pitchFamily="2" charset="2"/>
+              <a:buChar char="l"/>
+            </a:pPr>
+            <a:endParaRPr lang="en-US" altLang="zh-CN" dirty="0" smtClean="0"/>
+          </a:p>
+          <a:p>
+            <a:pPr marL="342900" indent="-342900">
+              <a:buFont typeface="Wingdings" panose="05000000000000000000" pitchFamily="2" charset="2"/>
+              <a:buChar char="l"/>
+            </a:pPr>
+            <a:endParaRPr lang="en-US" altLang="zh-CN" dirty="0"/>
+          </a:p>
+          <a:p>
+            <a:pPr marL="342900" indent="-342900">
+              <a:buFont typeface="Wingdings" panose="05000000000000000000" pitchFamily="2" charset="2"/>
+              <a:buChar char="l"/>
+            </a:pPr>
+            <a:endParaRPr lang="en-US" altLang="zh-CN" dirty="0" smtClean="0"/>
+          </a:p>
+        </p:txBody>
+      </p:sp>
+      <p:sp>
+        <p:nvSpPr>
+          <p:cNvPr id="3" name="标题 2"/>
+          <p:cNvSpPr>
+            <a:spLocks noGrp="1"/>
+          </p:cNvSpPr>
+          <p:nvPr>
+            <p:ph type="title"/>
+          </p:nvPr>
+        </p:nvSpPr>
+        <p:spPr/>
+        <p:txBody>
+          <a:bodyPr/>
+          <a:lstStyle/>
+          <a:p>
+            <a:r>
+              <a:rPr lang="en-US" altLang="zh-CN" dirty="0" smtClean="0"/>
+              <a:t>Cifar-10</a:t>
+            </a:r>
+            <a:endParaRPr lang="zh-CN" altLang="en-US" dirty="0"/>
+          </a:p>
+        </p:txBody>
+      </p:sp>
+      <p:sp>
+        <p:nvSpPr>
+          <p:cNvPr id="4" name="矩形 3"/>
+          <p:cNvSpPr/>
+          <p:nvPr/>
+        </p:nvSpPr>
+        <p:spPr>
+          <a:xfrm>
+            <a:off x="251520" y="1772815"/>
+            <a:ext cx="4572000" cy="1477328"/>
+          </a:xfrm>
+          <a:prstGeom prst="rect">
+            <a:avLst/>
+          </a:prstGeom>
+        </p:spPr>
+        <p:txBody>
+          <a:bodyPr>
+            <a:spAutoFit/>
+          </a:bodyPr>
+          <a:lstStyle/>
+          <a:p>
+            <a:r>
+              <a:rPr lang="zh-CN" altLang="en-US" dirty="0"/>
+              <a:t>def unpickle(file):</a:t>
+            </a:r>
+          </a:p>
+          <a:p>
+            <a:r>
+              <a:rPr lang="zh-CN" altLang="en-US" dirty="0"/>
+              <a:t>    </a:t>
+            </a:r>
+            <a:r>
+              <a:rPr lang="en-US" altLang="zh-CN" dirty="0" smtClean="0"/>
+              <a:t>import pickle</a:t>
+            </a:r>
+          </a:p>
+          <a:p>
+            <a:r>
+              <a:rPr lang="en-US" altLang="zh-CN" dirty="0"/>
+              <a:t> </a:t>
+            </a:r>
+            <a:r>
+              <a:rPr lang="en-US" altLang="zh-CN" dirty="0" smtClean="0"/>
+              <a:t>   </a:t>
+            </a:r>
+            <a:r>
+              <a:rPr lang="zh-CN" altLang="en-US" dirty="0" smtClean="0"/>
+              <a:t>with </a:t>
+            </a:r>
+            <a:r>
+              <a:rPr lang="zh-CN" altLang="en-US" dirty="0"/>
+              <a:t>open(file, 'rb') as fo:</a:t>
+            </a:r>
+          </a:p>
+          <a:p>
+            <a:r>
+              <a:rPr lang="zh-CN" altLang="en-US" dirty="0"/>
+              <a:t>        dict = pickle.load(fo, encoding='bytes')</a:t>
+            </a:r>
+          </a:p>
+          <a:p>
+            <a:r>
+              <a:rPr lang="zh-CN" altLang="en-US" dirty="0"/>
+              <a:t>    return dict</a:t>
+            </a:r>
+          </a:p>
+        </p:txBody>
+      </p:sp>
+      <p:sp>
+        <p:nvSpPr>
+          <p:cNvPr id="5" name="矩形 4"/>
+          <p:cNvSpPr/>
+          <p:nvPr/>
+        </p:nvSpPr>
+        <p:spPr>
+          <a:xfrm>
+            <a:off x="4499212" y="1573802"/>
+            <a:ext cx="4572000" cy="4247317"/>
+          </a:xfrm>
+          <a:prstGeom prst="rect">
+            <a:avLst/>
+          </a:prstGeom>
+        </p:spPr>
+        <p:txBody>
+          <a:bodyPr>
+            <a:spAutoFit/>
+          </a:bodyPr>
+          <a:lstStyle/>
+          <a:p>
+            <a:r>
+              <a:rPr lang="zh-CN" altLang="en-US" dirty="0"/>
+              <a:t>def load_test_data(file_name, normalize=True):</a:t>
+            </a:r>
+          </a:p>
+          <a:p>
+            <a:r>
+              <a:rPr lang="zh-CN" altLang="en-US" dirty="0"/>
+              <a:t>    x_test, y_test = [], []</a:t>
+            </a:r>
+          </a:p>
+          <a:p>
+            <a:endParaRPr lang="zh-CN" altLang="en-US" dirty="0"/>
+          </a:p>
+          <a:p>
+            <a:r>
+              <a:rPr lang="zh-CN" altLang="en-US" dirty="0"/>
+              <a:t>    dict = unpickle(file_name)</a:t>
+            </a:r>
+          </a:p>
+          <a:p>
+            <a:r>
+              <a:rPr lang="zh-CN" altLang="en-US" dirty="0"/>
+              <a:t>    for j in range(len(dict[b'data'])):</a:t>
+            </a:r>
+          </a:p>
+          <a:p>
+            <a:r>
+              <a:rPr lang="zh-CN" altLang="en-US" dirty="0"/>
+              <a:t>        x_test.append(dict[b'data'][j])</a:t>
+            </a:r>
+          </a:p>
+          <a:p>
+            <a:r>
+              <a:rPr lang="zh-CN" altLang="en-US" dirty="0"/>
+              <a:t>        y_test.append(dict[b'labels'][j])</a:t>
+            </a:r>
+          </a:p>
+          <a:p>
+            <a:endParaRPr lang="zh-CN" altLang="en-US" dirty="0"/>
+          </a:p>
+          <a:p>
+            <a:r>
+              <a:rPr lang="zh-CN" altLang="en-US" dirty="0"/>
+              <a:t>    x_test = np.array(x_test).astype('float32')</a:t>
+            </a:r>
+          </a:p>
+          <a:p>
+            <a:r>
+              <a:rPr lang="zh-CN" altLang="en-US" dirty="0"/>
+              <a:t>    y_test = np.array(y_test)</a:t>
+            </a:r>
+          </a:p>
+          <a:p>
+            <a:endParaRPr lang="zh-CN" altLang="en-US" dirty="0"/>
+          </a:p>
+          <a:p>
+            <a:r>
+              <a:rPr lang="zh-CN" altLang="en-US" dirty="0"/>
+              <a:t>    if normalize == True:</a:t>
+            </a:r>
+          </a:p>
+          <a:p>
+            <a:r>
+              <a:rPr lang="zh-CN" altLang="en-US" dirty="0"/>
+              <a:t>        x_test /= 255</a:t>
+            </a:r>
+          </a:p>
+          <a:p>
+            <a:endParaRPr lang="zh-CN" altLang="en-US" dirty="0"/>
+          </a:p>
+          <a:p>
+            <a:r>
+              <a:rPr lang="zh-CN" altLang="en-US" dirty="0"/>
+              <a:t>    return x_test, y_test</a:t>
+            </a:r>
+          </a:p>
+        </p:txBody>
+      </p:sp>
+    </p:spTree>
+    <p:extLst>
+      <p:ext uri="{BB962C8B-B14F-4D97-AF65-F5344CB8AC3E}">
+        <p14:creationId xmlns:p14="http://schemas.microsoft.com/office/powerpoint/2010/main" val="2659397702"/>
+      </p:ext>
+    </p:extLst>
+  </p:cSld>
+  <p:clrMapOvr>
+    <a:masterClrMapping/>
+  </p:clrMapOvr>
+</p:sld>
+</file>
+
+<file path=ppt/slides/slide46.xml><?xml version="1.0" encoding="utf-8"?>
+<p:sld xmlns:a="http://schemas.openxmlformats.org/drawingml/2006/main" xmlns:r="http://schemas.openxmlformats.org/officeDocument/2006/relationships" xmlns:p="http://schemas.openxmlformats.org/presentationml/2006/main">
+  <p:cSld>
+    <p:spTree>
+      <p:nvGrpSpPr>
+        <p:cNvPr id="1" name=""/>
+        <p:cNvGrpSpPr/>
+        <p:nvPr/>
+      </p:nvGrpSpPr>
+      <p:grpSpPr>
+        <a:xfrm>
+          <a:off x="0" y="0"/>
+          <a:ext cx="0" cy="0"/>
+          <a:chOff x="0" y="0"/>
+          <a:chExt cx="0" cy="0"/>
+        </a:xfrm>
+      </p:grpSpPr>
+      <p:sp>
+        <p:nvSpPr>
+          <p:cNvPr id="2" name="内容占位符 1"/>
+          <p:cNvSpPr>
+            <a:spLocks noGrp="1"/>
+          </p:cNvSpPr>
+          <p:nvPr>
+            <p:ph sz="half" idx="2"/>
+          </p:nvPr>
+        </p:nvSpPr>
+        <p:spPr/>
+        <p:txBody>
+          <a:bodyPr/>
+          <a:lstStyle/>
+          <a:p>
+            <a:pPr marL="342900" indent="-342900">
+              <a:buFont typeface="Wingdings" panose="05000000000000000000" pitchFamily="2" charset="2"/>
+              <a:buChar char="l"/>
+            </a:pPr>
+            <a:r>
+              <a:rPr lang="en-US" altLang="zh-CN" dirty="0" smtClean="0"/>
+              <a:t>Load function</a:t>
+            </a:r>
+            <a:endParaRPr lang="zh-CN" altLang="en-US" dirty="0"/>
+          </a:p>
+        </p:txBody>
+      </p:sp>
+      <p:sp>
+        <p:nvSpPr>
+          <p:cNvPr id="3" name="标题 2"/>
+          <p:cNvSpPr>
+            <a:spLocks noGrp="1"/>
+          </p:cNvSpPr>
+          <p:nvPr>
+            <p:ph type="title"/>
+          </p:nvPr>
+        </p:nvSpPr>
+        <p:spPr/>
+        <p:txBody>
+          <a:bodyPr/>
+          <a:lstStyle/>
+          <a:p>
+            <a:r>
+              <a:rPr lang="en-US" altLang="zh-CN" dirty="0"/>
+              <a:t>Cifar-10</a:t>
+            </a:r>
+            <a:endParaRPr lang="zh-CN" altLang="en-US" dirty="0"/>
+          </a:p>
+        </p:txBody>
+      </p:sp>
+      <p:sp>
+        <p:nvSpPr>
+          <p:cNvPr id="4" name="矩形 3"/>
+          <p:cNvSpPr/>
+          <p:nvPr/>
+        </p:nvSpPr>
+        <p:spPr>
+          <a:xfrm>
+            <a:off x="755576" y="1772816"/>
+            <a:ext cx="7560840" cy="4801314"/>
+          </a:xfrm>
+          <a:prstGeom prst="rect">
+            <a:avLst/>
+          </a:prstGeom>
+        </p:spPr>
+        <p:txBody>
+          <a:bodyPr wrap="square">
+            <a:spAutoFit/>
+          </a:bodyPr>
+          <a:lstStyle/>
+          <a:p>
+            <a:r>
+              <a:rPr lang="zh-CN" altLang="en-US" dirty="0"/>
+              <a:t>def load_train_data(file_path, normalize=True):</a:t>
+            </a:r>
+          </a:p>
+          <a:p>
+            <a:r>
+              <a:rPr lang="zh-CN" altLang="en-US" dirty="0"/>
+              <a:t>    x_train, y_train = [], []</a:t>
+            </a:r>
+          </a:p>
+          <a:p>
+            <a:r>
+              <a:rPr lang="zh-CN" altLang="en-US" dirty="0"/>
+              <a:t>    for i in range(5):</a:t>
+            </a:r>
+          </a:p>
+          <a:p>
+            <a:r>
+              <a:rPr lang="zh-CN" altLang="en-US" dirty="0"/>
+              <a:t>        file_name = os.path.join(file_path, 'data_batch_' + str(i+1))</a:t>
+            </a:r>
+          </a:p>
+          <a:p>
+            <a:r>
+              <a:rPr lang="zh-CN" altLang="en-US" dirty="0"/>
+              <a:t>        dict = unpickle(file_name)</a:t>
+            </a:r>
+          </a:p>
+          <a:p>
+            <a:endParaRPr lang="zh-CN" altLang="en-US" dirty="0"/>
+          </a:p>
+          <a:p>
+            <a:r>
+              <a:rPr lang="zh-CN" altLang="en-US" dirty="0"/>
+              <a:t>        for j in range(len(dict[b'data'])):</a:t>
+            </a:r>
+          </a:p>
+          <a:p>
+            <a:r>
+              <a:rPr lang="zh-CN" altLang="en-US" dirty="0"/>
+              <a:t>            x_train.append(dict[b'data'][j])</a:t>
+            </a:r>
+          </a:p>
+          <a:p>
+            <a:r>
+              <a:rPr lang="zh-CN" altLang="en-US" dirty="0"/>
+              <a:t>            y_train.append(dict[b'labels'][j])</a:t>
+            </a:r>
+          </a:p>
+          <a:p>
+            <a:endParaRPr lang="zh-CN" altLang="en-US" dirty="0"/>
+          </a:p>
+          <a:p>
+            <a:r>
+              <a:rPr lang="zh-CN" altLang="en-US" dirty="0"/>
+              <a:t>    x_train = np.array(x_train).astype('float32')</a:t>
+            </a:r>
+          </a:p>
+          <a:p>
+            <a:r>
+              <a:rPr lang="zh-CN" altLang="en-US" dirty="0"/>
+              <a:t>    y_train = np.array(y_train)</a:t>
+            </a:r>
+          </a:p>
+          <a:p>
+            <a:endParaRPr lang="zh-CN" altLang="en-US" dirty="0"/>
+          </a:p>
+          <a:p>
+            <a:r>
+              <a:rPr lang="zh-CN" altLang="en-US" dirty="0"/>
+              <a:t>    if normalize == True:</a:t>
+            </a:r>
+          </a:p>
+          <a:p>
+            <a:r>
+              <a:rPr lang="zh-CN" altLang="en-US" dirty="0"/>
+              <a:t>        x_train /= 255</a:t>
+            </a:r>
+          </a:p>
+          <a:p>
+            <a:endParaRPr lang="zh-CN" altLang="en-US" dirty="0"/>
+          </a:p>
+          <a:p>
+            <a:r>
+              <a:rPr lang="zh-CN" altLang="en-US" dirty="0"/>
+              <a:t>    return x_train, y_train</a:t>
+            </a:r>
+          </a:p>
+        </p:txBody>
+      </p:sp>
+    </p:spTree>
+    <p:extLst>
+      <p:ext uri="{BB962C8B-B14F-4D97-AF65-F5344CB8AC3E}">
+        <p14:creationId xmlns:p14="http://schemas.microsoft.com/office/powerpoint/2010/main" val="3242158829"/>
+      </p:ext>
+    </p:extLst>
+  </p:cSld>
+  <p:clrMapOvr>
+    <a:masterClrMapping/>
+  </p:clrMapOvr>
+</p:sld>
+</file>
+
+<file path=ppt/slides/slide47.xml><?xml version="1.0" encoding="utf-8"?>
+<p:sld xmlns:a="http://schemas.openxmlformats.org/drawingml/2006/main" xmlns:r="http://schemas.openxmlformats.org/officeDocument/2006/relationships" xmlns:p="http://schemas.openxmlformats.org/presentationml/2006/main">
+  <p:cSld>
+    <p:spTree>
+      <p:nvGrpSpPr>
+        <p:cNvPr id="1" name=""/>
+        <p:cNvGrpSpPr/>
+        <p:nvPr/>
+      </p:nvGrpSpPr>
+      <p:grpSpPr>
+        <a:xfrm>
+          <a:off x="0" y="0"/>
+          <a:ext cx="0" cy="0"/>
+          <a:chOff x="0" y="0"/>
+          <a:chExt cx="0" cy="0"/>
+        </a:xfrm>
+      </p:grpSpPr>
+      <p:sp>
+        <p:nvSpPr>
+          <p:cNvPr id="2" name="内容占位符 1"/>
+          <p:cNvSpPr>
+            <a:spLocks noGrp="1"/>
+          </p:cNvSpPr>
+          <p:nvPr>
+            <p:ph sz="half" idx="2"/>
+          </p:nvPr>
+        </p:nvSpPr>
+        <p:spPr/>
+        <p:txBody>
+          <a:bodyPr/>
+          <a:lstStyle/>
+          <a:p>
+            <a:pPr marL="342900" indent="-342900">
+              <a:buFont typeface="Wingdings" panose="05000000000000000000" pitchFamily="2" charset="2"/>
+              <a:buChar char="l"/>
+            </a:pPr>
+            <a:r>
+              <a:rPr lang="en-US" altLang="zh-CN" dirty="0" smtClean="0"/>
+              <a:t>Load data and Reshape</a:t>
+            </a:r>
+            <a:endParaRPr lang="zh-CN" altLang="en-US" dirty="0"/>
+          </a:p>
+        </p:txBody>
+      </p:sp>
+      <p:sp>
+        <p:nvSpPr>
+          <p:cNvPr id="3" name="标题 2"/>
+          <p:cNvSpPr>
+            <a:spLocks noGrp="1"/>
+          </p:cNvSpPr>
+          <p:nvPr>
+            <p:ph type="title"/>
+          </p:nvPr>
+        </p:nvSpPr>
+        <p:spPr/>
+        <p:txBody>
+          <a:bodyPr/>
+          <a:lstStyle/>
+          <a:p>
+            <a:r>
+              <a:rPr lang="en-US" altLang="zh-CN" dirty="0"/>
+              <a:t>Cifar-10</a:t>
+            </a:r>
+            <a:endParaRPr lang="zh-CN" altLang="en-US" dirty="0"/>
+          </a:p>
+        </p:txBody>
+      </p:sp>
+      <p:sp>
+        <p:nvSpPr>
+          <p:cNvPr id="4" name="矩形 3"/>
+          <p:cNvSpPr/>
+          <p:nvPr/>
+        </p:nvSpPr>
+        <p:spPr>
+          <a:xfrm>
+            <a:off x="683568" y="1916832"/>
+            <a:ext cx="7560840" cy="3416320"/>
+          </a:xfrm>
+          <a:prstGeom prst="rect">
+            <a:avLst/>
+          </a:prstGeom>
+        </p:spPr>
+        <p:txBody>
+          <a:bodyPr wrap="square">
+            <a:spAutoFit/>
+          </a:bodyPr>
+          <a:lstStyle/>
+          <a:p>
+            <a:r>
+              <a:rPr lang="zh-CN" altLang="en-US" dirty="0"/>
+              <a:t>x_train, y_train = load_train_data('cifar-10')</a:t>
+            </a:r>
+          </a:p>
+          <a:p>
+            <a:r>
+              <a:rPr lang="zh-CN" altLang="en-US" dirty="0"/>
+              <a:t>x_test, y_test = load_test_data(os.path.join('cifar-10', 'test_batch'))</a:t>
+            </a:r>
+          </a:p>
+          <a:p>
+            <a:endParaRPr lang="zh-CN" altLang="en-US" dirty="0"/>
+          </a:p>
+          <a:p>
+            <a:r>
+              <a:rPr lang="zh-CN" altLang="en-US" dirty="0"/>
+              <a:t>x_train = np.reshape(x_train, (x_train.shape[0], 32, 32, 3))</a:t>
+            </a:r>
+          </a:p>
+          <a:p>
+            <a:r>
+              <a:rPr lang="zh-CN" altLang="en-US" dirty="0"/>
+              <a:t>x_test = np.reshape(x_test, (x_test.shape[0], 32, 32, 3</a:t>
+            </a:r>
+            <a:r>
+              <a:rPr lang="zh-CN" altLang="en-US" dirty="0" smtClean="0"/>
+              <a:t>))</a:t>
+            </a:r>
+            <a:endParaRPr lang="en-US" altLang="zh-CN" dirty="0" smtClean="0"/>
+          </a:p>
+          <a:p>
+            <a:endParaRPr lang="en-US" altLang="zh-CN" dirty="0" smtClean="0"/>
+          </a:p>
+          <a:p>
+            <a:r>
+              <a:rPr lang="en-US" altLang="zh-CN" dirty="0"/>
+              <a:t>print(</a:t>
+            </a:r>
+            <a:r>
+              <a:rPr lang="en-US" altLang="zh-CN" dirty="0" err="1"/>
+              <a:t>x_train.shape</a:t>
+            </a:r>
+            <a:r>
+              <a:rPr lang="en-US" altLang="zh-CN" dirty="0"/>
+              <a:t>)</a:t>
+            </a:r>
+          </a:p>
+          <a:p>
+            <a:r>
+              <a:rPr lang="en-US" altLang="zh-CN" dirty="0"/>
+              <a:t>print(</a:t>
+            </a:r>
+            <a:r>
+              <a:rPr lang="en-US" altLang="zh-CN" dirty="0" err="1"/>
+              <a:t>y_train.shape</a:t>
+            </a:r>
+            <a:r>
+              <a:rPr lang="en-US" altLang="zh-CN" dirty="0"/>
+              <a:t>)</a:t>
+            </a:r>
+          </a:p>
+          <a:p>
+            <a:r>
+              <a:rPr lang="en-US" altLang="zh-CN" dirty="0"/>
+              <a:t>print(</a:t>
+            </a:r>
+            <a:r>
+              <a:rPr lang="en-US" altLang="zh-CN" dirty="0" err="1"/>
+              <a:t>x_test.shape</a:t>
+            </a:r>
+            <a:r>
+              <a:rPr lang="en-US" altLang="zh-CN" dirty="0"/>
+              <a:t>)</a:t>
+            </a:r>
+          </a:p>
+          <a:p>
+            <a:r>
+              <a:rPr lang="en-US" altLang="zh-CN" dirty="0"/>
+              <a:t>print(</a:t>
+            </a:r>
+            <a:r>
+              <a:rPr lang="en-US" altLang="zh-CN" dirty="0" err="1"/>
+              <a:t>y_test.shape</a:t>
+            </a:r>
+            <a:r>
+              <a:rPr lang="en-US" altLang="zh-CN" dirty="0"/>
+              <a:t>)</a:t>
+            </a:r>
+          </a:p>
+          <a:p>
+            <a:endParaRPr lang="en-US" altLang="zh-CN" dirty="0"/>
+          </a:p>
+          <a:p>
+            <a:r>
+              <a:rPr lang="en-US" altLang="zh-CN" dirty="0" err="1"/>
+              <a:t>y_train</a:t>
+            </a:r>
+            <a:r>
+              <a:rPr lang="en-US" altLang="zh-CN" dirty="0"/>
+              <a:t> = </a:t>
+            </a:r>
+            <a:r>
+              <a:rPr lang="en-US" altLang="zh-CN" dirty="0" err="1"/>
+              <a:t>np_utils.to_categorical</a:t>
+            </a:r>
+            <a:r>
+              <a:rPr lang="en-US" altLang="zh-CN" dirty="0"/>
+              <a:t>(</a:t>
+            </a:r>
+            <a:r>
+              <a:rPr lang="en-US" altLang="zh-CN" dirty="0" err="1"/>
+              <a:t>y_train</a:t>
+            </a:r>
+            <a:r>
+              <a:rPr lang="en-US" altLang="zh-CN" dirty="0" smtClean="0"/>
+              <a:t>)</a:t>
+            </a:r>
+          </a:p>
+        </p:txBody>
+      </p:sp>
+    </p:spTree>
+    <p:extLst>
+      <p:ext uri="{BB962C8B-B14F-4D97-AF65-F5344CB8AC3E}">
+        <p14:creationId xmlns:p14="http://schemas.microsoft.com/office/powerpoint/2010/main" val="3557146630"/>
+      </p:ext>
+    </p:extLst>
+  </p:cSld>
+  <p:clrMapOvr>
+    <a:masterClrMapping/>
+  </p:clrMapOvr>
+</p:sld>
+</file>
+
+<file path=ppt/slides/slide48.xml><?xml version="1.0" encoding="utf-8"?>
+<p:sld xmlns:a="http://schemas.openxmlformats.org/drawingml/2006/main" xmlns:r="http://schemas.openxmlformats.org/officeDocument/2006/relationships" xmlns:p="http://schemas.openxmlformats.org/presentationml/2006/main">
+  <p:cSld>
+    <p:spTree>
+      <p:nvGrpSpPr>
+        <p:cNvPr id="1" name=""/>
+        <p:cNvGrpSpPr/>
+        <p:nvPr/>
+      </p:nvGrpSpPr>
+      <p:grpSpPr>
+        <a:xfrm>
+          <a:off x="0" y="0"/>
+          <a:ext cx="0" cy="0"/>
+          <a:chOff x="0" y="0"/>
+          <a:chExt cx="0" cy="0"/>
+        </a:xfrm>
+      </p:grpSpPr>
+      <p:sp>
+        <p:nvSpPr>
+          <p:cNvPr id="2" name="内容占位符 1"/>
+          <p:cNvSpPr>
+            <a:spLocks noGrp="1"/>
+          </p:cNvSpPr>
+          <p:nvPr>
+            <p:ph sz="half" idx="2"/>
+          </p:nvPr>
+        </p:nvSpPr>
+        <p:spPr/>
+        <p:txBody>
+          <a:bodyPr/>
+          <a:lstStyle/>
+          <a:p>
+            <a:pPr marL="342900" indent="-342900">
+              <a:buFont typeface="Wingdings" panose="05000000000000000000" pitchFamily="2" charset="2"/>
+              <a:buChar char="l"/>
+            </a:pPr>
+            <a:r>
+              <a:rPr lang="en-US" altLang="zh-CN" dirty="0" smtClean="0"/>
+              <a:t>Random Forest</a:t>
+            </a:r>
+          </a:p>
+          <a:p>
+            <a:pPr marL="342900" indent="-342900">
+              <a:buFont typeface="Wingdings" panose="05000000000000000000" pitchFamily="2" charset="2"/>
+              <a:buChar char="l"/>
+            </a:pPr>
+            <a:endParaRPr lang="en-US" altLang="zh-CN" dirty="0"/>
+          </a:p>
+          <a:p>
+            <a:endParaRPr lang="en-US" altLang="zh-CN" dirty="0"/>
+          </a:p>
+          <a:p>
+            <a:pPr marL="342900" indent="-342900">
+              <a:buFont typeface="Wingdings" panose="05000000000000000000" pitchFamily="2" charset="2"/>
+              <a:buChar char="l"/>
+            </a:pPr>
+            <a:r>
+              <a:rPr lang="en-US" altLang="zh-CN" dirty="0" smtClean="0"/>
+              <a:t>SVM</a:t>
+            </a:r>
+          </a:p>
+          <a:p>
+            <a:pPr marL="342900" indent="-342900">
+              <a:buFont typeface="Wingdings" panose="05000000000000000000" pitchFamily="2" charset="2"/>
+              <a:buChar char="l"/>
+            </a:pPr>
+            <a:endParaRPr lang="en-US" altLang="zh-CN" dirty="0"/>
+          </a:p>
+          <a:p>
+            <a:pPr marL="342900" indent="-342900">
+              <a:buFont typeface="Wingdings" panose="05000000000000000000" pitchFamily="2" charset="2"/>
+              <a:buChar char="l"/>
+            </a:pPr>
+            <a:endParaRPr lang="en-US" altLang="zh-CN" dirty="0" smtClean="0"/>
+          </a:p>
+          <a:p>
+            <a:pPr marL="342900" indent="-342900">
+              <a:buFont typeface="Wingdings" panose="05000000000000000000" pitchFamily="2" charset="2"/>
+              <a:buChar char="l"/>
+            </a:pPr>
+            <a:endParaRPr lang="en-US" altLang="zh-CN" dirty="0"/>
+          </a:p>
+          <a:p>
+            <a:pPr marL="342900" indent="-342900">
+              <a:buFont typeface="Wingdings" panose="05000000000000000000" pitchFamily="2" charset="2"/>
+              <a:buChar char="l"/>
+            </a:pPr>
+            <a:endParaRPr lang="en-US" altLang="zh-CN" dirty="0" smtClean="0"/>
+          </a:p>
+          <a:p>
+            <a:pPr marL="342900" indent="-342900">
+              <a:buFont typeface="Wingdings" panose="05000000000000000000" pitchFamily="2" charset="2"/>
+              <a:buChar char="l"/>
+            </a:pPr>
+            <a:r>
+              <a:rPr lang="en-US" altLang="zh-CN" dirty="0" smtClean="0"/>
+              <a:t>Evaluation</a:t>
+            </a:r>
+            <a:endParaRPr lang="zh-CN" altLang="en-US" dirty="0"/>
+          </a:p>
+        </p:txBody>
+      </p:sp>
+      <p:sp>
+        <p:nvSpPr>
+          <p:cNvPr id="3" name="标题 2"/>
+          <p:cNvSpPr>
+            <a:spLocks noGrp="1"/>
+          </p:cNvSpPr>
+          <p:nvPr>
+            <p:ph type="title"/>
+          </p:nvPr>
+        </p:nvSpPr>
+        <p:spPr/>
+        <p:txBody>
+          <a:bodyPr/>
+          <a:lstStyle/>
+          <a:p>
+            <a:r>
+              <a:rPr lang="en-US" altLang="zh-CN" dirty="0" smtClean="0"/>
+              <a:t>Conventional Models</a:t>
+            </a:r>
+            <a:endParaRPr lang="zh-CN" altLang="en-US" dirty="0"/>
+          </a:p>
+        </p:txBody>
+      </p:sp>
+      <p:sp>
+        <p:nvSpPr>
+          <p:cNvPr id="4" name="矩形 3"/>
+          <p:cNvSpPr/>
+          <p:nvPr/>
+        </p:nvSpPr>
+        <p:spPr>
+          <a:xfrm>
+            <a:off x="827584" y="1844824"/>
+            <a:ext cx="6624736" cy="646331"/>
+          </a:xfrm>
+          <a:prstGeom prst="rect">
+            <a:avLst/>
+          </a:prstGeom>
+        </p:spPr>
+        <p:txBody>
+          <a:bodyPr wrap="square">
+            <a:spAutoFit/>
+          </a:bodyPr>
+          <a:lstStyle/>
+          <a:p>
+            <a:r>
+              <a:rPr lang="zh-CN" altLang="en-US" dirty="0" smtClean="0"/>
+              <a:t>from </a:t>
+            </a:r>
+            <a:r>
+              <a:rPr lang="zh-CN" altLang="en-US" dirty="0"/>
+              <a:t>sklearn.ensemble import RandomForestClassifier</a:t>
+            </a:r>
+          </a:p>
+          <a:p>
+            <a:r>
+              <a:rPr lang="zh-CN" altLang="en-US" dirty="0" smtClean="0"/>
+              <a:t>clf </a:t>
+            </a:r>
+            <a:r>
+              <a:rPr lang="zh-CN" altLang="en-US" dirty="0"/>
+              <a:t>= RandomForestClassifier(n_estimators=100)</a:t>
+            </a:r>
+          </a:p>
+        </p:txBody>
+      </p:sp>
+      <p:sp>
+        <p:nvSpPr>
+          <p:cNvPr id="5" name="矩形 4"/>
+          <p:cNvSpPr/>
+          <p:nvPr/>
+        </p:nvSpPr>
+        <p:spPr>
+          <a:xfrm>
+            <a:off x="827584" y="3100274"/>
+            <a:ext cx="7633519" cy="646331"/>
+          </a:xfrm>
+          <a:prstGeom prst="rect">
+            <a:avLst/>
+          </a:prstGeom>
+        </p:spPr>
+        <p:txBody>
+          <a:bodyPr wrap="square">
+            <a:spAutoFit/>
+          </a:bodyPr>
+          <a:lstStyle/>
+          <a:p>
+            <a:r>
+              <a:rPr lang="zh-CN" altLang="en-US" dirty="0"/>
+              <a:t>from sklearn.svm import SVC</a:t>
+            </a:r>
+          </a:p>
+          <a:p>
+            <a:r>
+              <a:rPr lang="zh-CN" altLang="en-US" dirty="0" smtClean="0"/>
+              <a:t>clf </a:t>
+            </a:r>
+            <a:r>
+              <a:rPr lang="zh-CN" altLang="en-US" dirty="0"/>
+              <a:t>= SVC()</a:t>
+            </a:r>
+          </a:p>
+        </p:txBody>
+      </p:sp>
+      <p:sp>
+        <p:nvSpPr>
+          <p:cNvPr id="6" name="矩形 5"/>
+          <p:cNvSpPr/>
+          <p:nvPr/>
+        </p:nvSpPr>
+        <p:spPr>
+          <a:xfrm>
+            <a:off x="858298" y="3999503"/>
+            <a:ext cx="4572000" cy="646331"/>
+          </a:xfrm>
+          <a:prstGeom prst="rect">
+            <a:avLst/>
+          </a:prstGeom>
+        </p:spPr>
+        <p:txBody>
+          <a:bodyPr>
+            <a:spAutoFit/>
+          </a:bodyPr>
+          <a:lstStyle/>
+          <a:p>
+            <a:r>
+              <a:rPr lang="zh-CN" altLang="en-US" dirty="0"/>
+              <a:t>clf.fit(x_train, y_train)</a:t>
+            </a:r>
+          </a:p>
+          <a:p>
+            <a:r>
+              <a:rPr lang="zh-CN" altLang="en-US" dirty="0"/>
+              <a:t>y_pred = clf.predict(x_test)</a:t>
+            </a:r>
+          </a:p>
+        </p:txBody>
+      </p:sp>
+      <p:sp>
+        <p:nvSpPr>
+          <p:cNvPr id="7" name="矩形 6"/>
+          <p:cNvSpPr/>
+          <p:nvPr/>
+        </p:nvSpPr>
+        <p:spPr>
+          <a:xfrm>
+            <a:off x="3635896" y="4232211"/>
+            <a:ext cx="5785792" cy="2308324"/>
+          </a:xfrm>
+          <a:prstGeom prst="rect">
+            <a:avLst/>
+          </a:prstGeom>
+        </p:spPr>
+        <p:txBody>
+          <a:bodyPr wrap="square">
+            <a:spAutoFit/>
+          </a:bodyPr>
+          <a:lstStyle/>
+          <a:p>
+            <a:r>
+              <a:rPr lang="zh-CN" altLang="en-US" dirty="0"/>
+              <a:t>from sklearn.metrics import precision_score, recall_score, accuracy_score, f1_</a:t>
+            </a:r>
+            <a:r>
+              <a:rPr lang="zh-CN" altLang="en-US" dirty="0" smtClean="0"/>
+              <a:t>score</a:t>
+            </a:r>
+            <a:endParaRPr lang="en-US" altLang="zh-CN" dirty="0"/>
+          </a:p>
+          <a:p>
+            <a:endParaRPr lang="en-US" altLang="zh-CN" dirty="0" smtClean="0"/>
+          </a:p>
+          <a:p>
+            <a:r>
+              <a:rPr lang="en-US" altLang="zh-CN" dirty="0"/>
+              <a:t>print(</a:t>
+            </a:r>
+            <a:r>
+              <a:rPr lang="en-US" altLang="zh-CN" dirty="0" err="1"/>
+              <a:t>precision_score</a:t>
+            </a:r>
+            <a:r>
+              <a:rPr lang="en-US" altLang="zh-CN" dirty="0"/>
+              <a:t>(</a:t>
+            </a:r>
+            <a:r>
+              <a:rPr lang="en-US" altLang="zh-CN" dirty="0" err="1"/>
+              <a:t>y_test</a:t>
+            </a:r>
+            <a:r>
+              <a:rPr lang="en-US" altLang="zh-CN" dirty="0"/>
+              <a:t>, </a:t>
+            </a:r>
+            <a:r>
+              <a:rPr lang="en-US" altLang="zh-CN" dirty="0" err="1"/>
+              <a:t>y_pred</a:t>
+            </a:r>
+            <a:r>
+              <a:rPr lang="en-US" altLang="zh-CN" dirty="0"/>
+              <a:t>, average='macro'))</a:t>
+            </a:r>
+          </a:p>
+          <a:p>
+            <a:r>
+              <a:rPr lang="en-US" altLang="zh-CN" dirty="0"/>
+              <a:t>print(</a:t>
+            </a:r>
+            <a:r>
+              <a:rPr lang="en-US" altLang="zh-CN" dirty="0" err="1"/>
+              <a:t>recall_score</a:t>
+            </a:r>
+            <a:r>
+              <a:rPr lang="en-US" altLang="zh-CN" dirty="0"/>
+              <a:t>(</a:t>
+            </a:r>
+            <a:r>
+              <a:rPr lang="en-US" altLang="zh-CN" dirty="0" err="1"/>
+              <a:t>y_test</a:t>
+            </a:r>
+            <a:r>
+              <a:rPr lang="en-US" altLang="zh-CN" dirty="0"/>
+              <a:t>, </a:t>
+            </a:r>
+            <a:r>
+              <a:rPr lang="en-US" altLang="zh-CN" dirty="0" err="1"/>
+              <a:t>y_pred</a:t>
+            </a:r>
+            <a:r>
+              <a:rPr lang="en-US" altLang="zh-CN" dirty="0"/>
+              <a:t>, average='macro'))</a:t>
+            </a:r>
+          </a:p>
+          <a:p>
+            <a:r>
+              <a:rPr lang="en-US" altLang="zh-CN" dirty="0"/>
+              <a:t>print(</a:t>
+            </a:r>
+            <a:r>
+              <a:rPr lang="en-US" altLang="zh-CN" dirty="0" err="1"/>
+              <a:t>accuracy_score</a:t>
+            </a:r>
+            <a:r>
+              <a:rPr lang="en-US" altLang="zh-CN" dirty="0"/>
+              <a:t>(</a:t>
+            </a:r>
+            <a:r>
+              <a:rPr lang="en-US" altLang="zh-CN" dirty="0" err="1"/>
+              <a:t>y_test</a:t>
+            </a:r>
+            <a:r>
+              <a:rPr lang="en-US" altLang="zh-CN" dirty="0"/>
+              <a:t>, </a:t>
+            </a:r>
+            <a:r>
+              <a:rPr lang="en-US" altLang="zh-CN" dirty="0" err="1"/>
+              <a:t>y_pred</a:t>
+            </a:r>
+            <a:r>
+              <a:rPr lang="en-US" altLang="zh-CN" dirty="0"/>
+              <a:t>))</a:t>
+            </a:r>
+          </a:p>
+          <a:p>
+            <a:r>
+              <a:rPr lang="en-US" altLang="zh-CN" dirty="0"/>
+              <a:t>print(f1_score(</a:t>
+            </a:r>
+            <a:r>
+              <a:rPr lang="en-US" altLang="zh-CN" dirty="0" err="1"/>
+              <a:t>y_test</a:t>
+            </a:r>
+            <a:r>
+              <a:rPr lang="en-US" altLang="zh-CN" dirty="0"/>
+              <a:t>, </a:t>
+            </a:r>
+            <a:r>
+              <a:rPr lang="en-US" altLang="zh-CN" dirty="0" err="1"/>
+              <a:t>y_pred</a:t>
+            </a:r>
+            <a:r>
+              <a:rPr lang="en-US" altLang="zh-CN" dirty="0"/>
+              <a:t>, average='macro'))</a:t>
+            </a:r>
+          </a:p>
+          <a:p>
+            <a:endParaRPr lang="en-US" altLang="zh-CN" dirty="0"/>
+          </a:p>
+        </p:txBody>
+      </p:sp>
+    </p:spTree>
+    <p:extLst>
+      <p:ext uri="{BB962C8B-B14F-4D97-AF65-F5344CB8AC3E}">
+        <p14:creationId xmlns:p14="http://schemas.microsoft.com/office/powerpoint/2010/main" val="2424900964"/>
+      </p:ext>
+    </p:extLst>
+  </p:cSld>
+  <p:clrMapOvr>
+    <a:masterClrMapping/>
+  </p:clrMapOvr>
+</p:sld>
+</file>
+
+<file path=ppt/slides/slide49.xml><?xml version="1.0" encoding="utf-8"?>
+<p:sld xmlns:a="http://schemas.openxmlformats.org/drawingml/2006/main" xmlns:r="http://schemas.openxmlformats.org/officeDocument/2006/relationships" xmlns:p="http://schemas.openxmlformats.org/presentationml/2006/main">
+  <p:cSld>
+    <p:spTree>
+      <p:nvGrpSpPr>
+        <p:cNvPr id="1" name=""/>
+        <p:cNvGrpSpPr/>
+        <p:nvPr/>
+      </p:nvGrpSpPr>
+      <p:grpSpPr>
+        <a:xfrm>
+          <a:off x="0" y="0"/>
+          <a:ext cx="0" cy="0"/>
+          <a:chOff x="0" y="0"/>
+          <a:chExt cx="0" cy="0"/>
+        </a:xfrm>
+      </p:grpSpPr>
+      <p:sp>
+        <p:nvSpPr>
+          <p:cNvPr id="3" name="标题 2"/>
+          <p:cNvSpPr>
+            <a:spLocks noGrp="1"/>
+          </p:cNvSpPr>
+          <p:nvPr>
+            <p:ph type="title"/>
+          </p:nvPr>
+        </p:nvSpPr>
+        <p:spPr/>
+        <p:txBody>
+          <a:bodyPr>
+            <a:normAutofit/>
+          </a:bodyPr>
+          <a:lstStyle/>
+          <a:p>
+            <a:r>
+              <a:rPr lang="en-US" altLang="zh-CN" dirty="0" smtClean="0"/>
+              <a:t>One-layer CNN</a:t>
+            </a:r>
+            <a:endParaRPr lang="zh-CN" altLang="en-US" dirty="0"/>
+          </a:p>
+        </p:txBody>
+      </p:sp>
+      <p:sp>
+        <p:nvSpPr>
+          <p:cNvPr id="5" name="矩形 4"/>
+          <p:cNvSpPr/>
+          <p:nvPr/>
+        </p:nvSpPr>
+        <p:spPr>
+          <a:xfrm>
+            <a:off x="70992" y="908720"/>
+            <a:ext cx="9073008" cy="5355312"/>
+          </a:xfrm>
+          <a:prstGeom prst="rect">
+            <a:avLst/>
+          </a:prstGeom>
+        </p:spPr>
+        <p:txBody>
+          <a:bodyPr wrap="square">
+            <a:spAutoFit/>
+          </a:bodyPr>
+          <a:lstStyle/>
+          <a:p>
+            <a:r>
+              <a:rPr lang="zh-CN" altLang="en-US" dirty="0"/>
+              <a:t>input_layer = Input(shape=(32, 32, 3, ))</a:t>
+            </a:r>
+          </a:p>
+          <a:p>
+            <a:r>
+              <a:rPr lang="zh-CN" altLang="en-US" dirty="0"/>
+              <a:t>conv_layer = Conv2D(filters=32, kernel_size=(3, 3), activation='relu') (input_layer)</a:t>
+            </a:r>
+          </a:p>
+          <a:p>
+            <a:r>
+              <a:rPr lang="zh-CN" altLang="en-US" dirty="0"/>
+              <a:t>pooling_layer = MaxPooling2D(pool_size=(2, 2)) (conv_layer)</a:t>
+            </a:r>
+          </a:p>
+          <a:p>
+            <a:r>
+              <a:rPr lang="zh-CN" altLang="en-US" dirty="0"/>
+              <a:t>dropout_layer_1 = Dropout(0.25) (pooling_layer)</a:t>
+            </a:r>
+          </a:p>
+          <a:p>
+            <a:r>
+              <a:rPr lang="zh-CN" altLang="en-US" dirty="0"/>
+              <a:t>flatten_layer = Flatten()(dropout_layer_1)</a:t>
+            </a:r>
+          </a:p>
+          <a:p>
+            <a:r>
+              <a:rPr lang="zh-CN" altLang="en-US" dirty="0"/>
+              <a:t>hidden_layer = Dense(128, activation='relu') (flatten_layer)</a:t>
+            </a:r>
+          </a:p>
+          <a:p>
+            <a:r>
+              <a:rPr lang="zh-CN" altLang="en-US" dirty="0"/>
+              <a:t>dropout_layer_2 = Dropout(0.5) (hidden_layer)</a:t>
+            </a:r>
+          </a:p>
+          <a:p>
+            <a:r>
+              <a:rPr lang="zh-CN" altLang="en-US" dirty="0"/>
+              <a:t>output_layer = Dense(num_classes, activation='softmax') (dropout_layer_2)</a:t>
+            </a:r>
+          </a:p>
+          <a:p>
+            <a:endParaRPr lang="zh-CN" altLang="en-US" dirty="0"/>
+          </a:p>
+          <a:p>
+            <a:r>
+              <a:rPr lang="zh-CN" altLang="en-US" dirty="0"/>
+              <a:t>model = Model(input_layer, output_layer)</a:t>
+            </a:r>
+          </a:p>
+          <a:p>
+            <a:endParaRPr lang="zh-CN" altLang="en-US" dirty="0"/>
+          </a:p>
+          <a:p>
+            <a:r>
+              <a:rPr lang="zh-CN" altLang="en-US" dirty="0"/>
+              <a:t>model.compile(loss='categorical_crossentropy',</a:t>
+            </a:r>
+          </a:p>
+          <a:p>
+            <a:r>
+              <a:rPr lang="zh-CN" altLang="en-US" dirty="0"/>
+              <a:t>              optimizer='adam',</a:t>
+            </a:r>
+          </a:p>
+          <a:p>
+            <a:r>
+              <a:rPr lang="zh-CN" altLang="en-US" dirty="0"/>
+              <a:t>              metrics=['accuracy'])</a:t>
+            </a:r>
+          </a:p>
+          <a:p>
+            <a:endParaRPr lang="zh-CN" altLang="en-US" dirty="0"/>
+          </a:p>
+          <a:p>
+            <a:r>
+              <a:rPr lang="zh-CN" altLang="en-US" dirty="0"/>
+              <a:t>model.fit(x_train, y_train,</a:t>
+            </a:r>
+          </a:p>
+          <a:p>
+            <a:r>
+              <a:rPr lang="zh-CN" altLang="en-US" dirty="0"/>
+              <a:t>          batch_size=batch_size,</a:t>
+            </a:r>
+          </a:p>
+          <a:p>
+            <a:r>
+              <a:rPr lang="zh-CN" altLang="en-US" dirty="0"/>
+              <a:t>          epochs=epochs,</a:t>
+            </a:r>
+          </a:p>
+          <a:p>
+            <a:r>
+              <a:rPr lang="zh-CN" altLang="en-US" dirty="0"/>
+              <a:t>          verbose=1)</a:t>
+            </a:r>
+          </a:p>
+        </p:txBody>
+      </p:sp>
+    </p:spTree>
+    <p:extLst>
+      <p:ext uri="{BB962C8B-B14F-4D97-AF65-F5344CB8AC3E}">
+        <p14:creationId xmlns:p14="http://schemas.microsoft.com/office/powerpoint/2010/main" val="1810999616"/>
+      </p:ext>
+    </p:extLst>
+  </p:cSld>
+  <p:clrMapOvr>
+    <a:masterClrMapping/>
+  </p:clrMapOvr>
+</p:sld>
+</file>
+
 <file path=ppt/slides/slide5.xml><?xml version="1.0" encoding="utf-8"?>
 <p:sld xmlns:a="http://schemas.openxmlformats.org/drawingml/2006/main" xmlns:r="http://schemas.openxmlformats.org/officeDocument/2006/relationships" xmlns:p="http://schemas.openxmlformats.org/presentationml/2006/main">
   <p:cSld>
@@ -12592,7 +14036,7 @@
           <a:graphicData uri="http://schemas.openxmlformats.org/presentationml/2006/ole">
             <mc:AlternateContent xmlns:mc="http://schemas.openxmlformats.org/markup-compatibility/2006">
               <mc:Choice xmlns:v="urn:schemas-microsoft-com:vml" Requires="v">
-                <p:oleObj spid="_x0000_s3113" name="Equation" r:id="rId3" imgW="2717640" imgH="317160" progId="Equation.DSMT4">
+                <p:oleObj spid="_x0000_s3129" name="Equation" r:id="rId3" imgW="2717640" imgH="317160" progId="Equation.DSMT4">
                   <p:embed/>
                 </p:oleObj>
               </mc:Choice>
@@ -12649,7 +14093,7 @@
           <a:graphicData uri="http://schemas.openxmlformats.org/presentationml/2006/ole">
             <mc:AlternateContent xmlns:mc="http://schemas.openxmlformats.org/markup-compatibility/2006">
               <mc:Choice xmlns:v="urn:schemas-microsoft-com:vml" Requires="v">
-                <p:oleObj spid="_x0000_s3114" name="Equation" r:id="rId5" imgW="2717640" imgH="317160" progId="Equation.DSMT4">
+                <p:oleObj spid="_x0000_s3130" name="Equation" r:id="rId5" imgW="2717640" imgH="317160" progId="Equation.DSMT4">
                   <p:embed/>
                 </p:oleObj>
               </mc:Choice>
@@ -12697,6 +14141,1927 @@
 </p:sld>
 </file>
 
+<file path=ppt/slides/slide50.xml><?xml version="1.0" encoding="utf-8"?>
+<p:sld xmlns:a="http://schemas.openxmlformats.org/drawingml/2006/main" xmlns:r="http://schemas.openxmlformats.org/officeDocument/2006/relationships" xmlns:p="http://schemas.openxmlformats.org/presentationml/2006/main">
+  <p:cSld>
+    <p:spTree>
+      <p:nvGrpSpPr>
+        <p:cNvPr id="1" name=""/>
+        <p:cNvGrpSpPr/>
+        <p:nvPr/>
+      </p:nvGrpSpPr>
+      <p:grpSpPr>
+        <a:xfrm>
+          <a:off x="0" y="0"/>
+          <a:ext cx="0" cy="0"/>
+          <a:chOff x="0" y="0"/>
+          <a:chExt cx="0" cy="0"/>
+        </a:xfrm>
+      </p:grpSpPr>
+      <p:sp>
+        <p:nvSpPr>
+          <p:cNvPr id="2" name="内容占位符 1"/>
+          <p:cNvSpPr>
+            <a:spLocks noGrp="1"/>
+          </p:cNvSpPr>
+          <p:nvPr>
+            <p:ph sz="half" idx="2"/>
+          </p:nvPr>
+        </p:nvSpPr>
+        <p:spPr/>
+        <p:txBody>
+          <a:bodyPr/>
+          <a:lstStyle/>
+          <a:p>
+            <a:pPr marL="342900" indent="-342900">
+              <a:buFont typeface="Wingdings" panose="05000000000000000000" pitchFamily="2" charset="2"/>
+              <a:buChar char="l"/>
+            </a:pPr>
+            <a:r>
+              <a:rPr lang="en-US" altLang="zh-CN" dirty="0" smtClean="0"/>
+              <a:t>Evaluation</a:t>
+            </a:r>
+            <a:endParaRPr lang="zh-CN" altLang="en-US" dirty="0"/>
+          </a:p>
+        </p:txBody>
+      </p:sp>
+      <p:sp>
+        <p:nvSpPr>
+          <p:cNvPr id="3" name="标题 2"/>
+          <p:cNvSpPr>
+            <a:spLocks noGrp="1"/>
+          </p:cNvSpPr>
+          <p:nvPr>
+            <p:ph type="title"/>
+          </p:nvPr>
+        </p:nvSpPr>
+        <p:spPr/>
+        <p:txBody>
+          <a:bodyPr/>
+          <a:lstStyle/>
+          <a:p>
+            <a:r>
+              <a:rPr lang="en-US" altLang="zh-CN" dirty="0" smtClean="0"/>
+              <a:t>One-layer CNN</a:t>
+            </a:r>
+            <a:endParaRPr lang="zh-CN" altLang="en-US" dirty="0"/>
+          </a:p>
+        </p:txBody>
+      </p:sp>
+      <p:sp>
+        <p:nvSpPr>
+          <p:cNvPr id="4" name="矩形 3"/>
+          <p:cNvSpPr/>
+          <p:nvPr/>
+        </p:nvSpPr>
+        <p:spPr>
+          <a:xfrm>
+            <a:off x="549896" y="1844824"/>
+            <a:ext cx="8136904" cy="2031325"/>
+          </a:xfrm>
+          <a:prstGeom prst="rect">
+            <a:avLst/>
+          </a:prstGeom>
+        </p:spPr>
+        <p:txBody>
+          <a:bodyPr wrap="square">
+            <a:spAutoFit/>
+          </a:bodyPr>
+          <a:lstStyle/>
+          <a:p>
+            <a:r>
+              <a:rPr lang="zh-CN" altLang="en-US" dirty="0"/>
+              <a:t>from sklearn.metrics import precision_score, recall_score, accuracy_score, f1_</a:t>
+            </a:r>
+            <a:r>
+              <a:rPr lang="zh-CN" altLang="en-US" dirty="0" smtClean="0"/>
+              <a:t>score</a:t>
+            </a:r>
+            <a:endParaRPr lang="en-US" altLang="zh-CN" dirty="0" smtClean="0"/>
+          </a:p>
+          <a:p>
+            <a:endParaRPr lang="en-US" altLang="zh-CN" dirty="0"/>
+          </a:p>
+          <a:p>
+            <a:r>
+              <a:rPr lang="en-US" altLang="zh-CN" dirty="0" err="1"/>
+              <a:t>y_pred</a:t>
+            </a:r>
+            <a:r>
+              <a:rPr lang="en-US" altLang="zh-CN" dirty="0"/>
+              <a:t> = </a:t>
+            </a:r>
+            <a:r>
+              <a:rPr lang="en-US" altLang="zh-CN" dirty="0" err="1"/>
+              <a:t>np.argmax</a:t>
+            </a:r>
+            <a:r>
+              <a:rPr lang="en-US" altLang="zh-CN" dirty="0"/>
+              <a:t>(</a:t>
+            </a:r>
+            <a:r>
+              <a:rPr lang="en-US" altLang="zh-CN" dirty="0" err="1"/>
+              <a:t>model.predict</a:t>
+            </a:r>
+            <a:r>
+              <a:rPr lang="en-US" altLang="zh-CN" dirty="0"/>
+              <a:t>(</a:t>
+            </a:r>
+            <a:r>
+              <a:rPr lang="en-US" altLang="zh-CN" dirty="0" err="1"/>
+              <a:t>x_test</a:t>
+            </a:r>
+            <a:r>
+              <a:rPr lang="en-US" altLang="zh-CN" dirty="0"/>
+              <a:t>), axis=-1)</a:t>
+            </a:r>
+          </a:p>
+          <a:p>
+            <a:r>
+              <a:rPr lang="en-US" altLang="zh-CN" dirty="0"/>
+              <a:t>print(</a:t>
+            </a:r>
+            <a:r>
+              <a:rPr lang="en-US" altLang="zh-CN" dirty="0" err="1"/>
+              <a:t>precision_score</a:t>
+            </a:r>
+            <a:r>
+              <a:rPr lang="en-US" altLang="zh-CN" dirty="0"/>
+              <a:t>(</a:t>
+            </a:r>
+            <a:r>
+              <a:rPr lang="en-US" altLang="zh-CN" dirty="0" err="1"/>
+              <a:t>y_test</a:t>
+            </a:r>
+            <a:r>
+              <a:rPr lang="en-US" altLang="zh-CN" dirty="0"/>
+              <a:t>, </a:t>
+            </a:r>
+            <a:r>
+              <a:rPr lang="en-US" altLang="zh-CN" dirty="0" err="1"/>
+              <a:t>y_pred</a:t>
+            </a:r>
+            <a:r>
+              <a:rPr lang="en-US" altLang="zh-CN" dirty="0"/>
+              <a:t>, average='macro'))</a:t>
+            </a:r>
+          </a:p>
+          <a:p>
+            <a:r>
+              <a:rPr lang="en-US" altLang="zh-CN" dirty="0"/>
+              <a:t>print(</a:t>
+            </a:r>
+            <a:r>
+              <a:rPr lang="en-US" altLang="zh-CN" dirty="0" err="1"/>
+              <a:t>recall_score</a:t>
+            </a:r>
+            <a:r>
+              <a:rPr lang="en-US" altLang="zh-CN" dirty="0"/>
+              <a:t>(</a:t>
+            </a:r>
+            <a:r>
+              <a:rPr lang="en-US" altLang="zh-CN" dirty="0" err="1"/>
+              <a:t>y_test</a:t>
+            </a:r>
+            <a:r>
+              <a:rPr lang="en-US" altLang="zh-CN" dirty="0"/>
+              <a:t>, </a:t>
+            </a:r>
+            <a:r>
+              <a:rPr lang="en-US" altLang="zh-CN" dirty="0" err="1"/>
+              <a:t>y_pred</a:t>
+            </a:r>
+            <a:r>
+              <a:rPr lang="en-US" altLang="zh-CN" dirty="0"/>
+              <a:t>, average='macro'))</a:t>
+            </a:r>
+          </a:p>
+          <a:p>
+            <a:r>
+              <a:rPr lang="en-US" altLang="zh-CN" dirty="0"/>
+              <a:t>print(</a:t>
+            </a:r>
+            <a:r>
+              <a:rPr lang="en-US" altLang="zh-CN" dirty="0" err="1"/>
+              <a:t>accuracy_score</a:t>
+            </a:r>
+            <a:r>
+              <a:rPr lang="en-US" altLang="zh-CN" dirty="0"/>
+              <a:t>(</a:t>
+            </a:r>
+            <a:r>
+              <a:rPr lang="en-US" altLang="zh-CN" dirty="0" err="1"/>
+              <a:t>y_test</a:t>
+            </a:r>
+            <a:r>
+              <a:rPr lang="en-US" altLang="zh-CN" dirty="0"/>
+              <a:t>, </a:t>
+            </a:r>
+            <a:r>
+              <a:rPr lang="en-US" altLang="zh-CN" dirty="0" err="1"/>
+              <a:t>y_pred</a:t>
+            </a:r>
+            <a:r>
+              <a:rPr lang="en-US" altLang="zh-CN" dirty="0"/>
+              <a:t>))</a:t>
+            </a:r>
+          </a:p>
+          <a:p>
+            <a:r>
+              <a:rPr lang="en-US" altLang="zh-CN" dirty="0"/>
+              <a:t>print(f1_score(</a:t>
+            </a:r>
+            <a:r>
+              <a:rPr lang="en-US" altLang="zh-CN" dirty="0" err="1"/>
+              <a:t>y_test</a:t>
+            </a:r>
+            <a:r>
+              <a:rPr lang="en-US" altLang="zh-CN" dirty="0"/>
+              <a:t>, </a:t>
+            </a:r>
+            <a:r>
+              <a:rPr lang="en-US" altLang="zh-CN" dirty="0" err="1"/>
+              <a:t>y_pred</a:t>
+            </a:r>
+            <a:r>
+              <a:rPr lang="en-US" altLang="zh-CN" dirty="0"/>
+              <a:t>, average='macro'))</a:t>
+            </a:r>
+            <a:endParaRPr lang="en-US" altLang="zh-CN" dirty="0" smtClean="0"/>
+          </a:p>
+        </p:txBody>
+      </p:sp>
+    </p:spTree>
+    <p:extLst>
+      <p:ext uri="{BB962C8B-B14F-4D97-AF65-F5344CB8AC3E}">
+        <p14:creationId xmlns:p14="http://schemas.microsoft.com/office/powerpoint/2010/main" val="2476649263"/>
+      </p:ext>
+    </p:extLst>
+  </p:cSld>
+  <p:clrMapOvr>
+    <a:masterClrMapping/>
+  </p:clrMapOvr>
+</p:sld>
+</file>
+
+<file path=ppt/slides/slide51.xml><?xml version="1.0" encoding="utf-8"?>
+<p:sld xmlns:a="http://schemas.openxmlformats.org/drawingml/2006/main" xmlns:r="http://schemas.openxmlformats.org/officeDocument/2006/relationships" xmlns:p="http://schemas.openxmlformats.org/presentationml/2006/main">
+  <p:cSld>
+    <p:spTree>
+      <p:nvGrpSpPr>
+        <p:cNvPr id="1" name=""/>
+        <p:cNvGrpSpPr/>
+        <p:nvPr/>
+      </p:nvGrpSpPr>
+      <p:grpSpPr>
+        <a:xfrm>
+          <a:off x="0" y="0"/>
+          <a:ext cx="0" cy="0"/>
+          <a:chOff x="0" y="0"/>
+          <a:chExt cx="0" cy="0"/>
+        </a:xfrm>
+      </p:grpSpPr>
+      <p:sp>
+        <p:nvSpPr>
+          <p:cNvPr id="3" name="标题 2"/>
+          <p:cNvSpPr>
+            <a:spLocks noGrp="1"/>
+          </p:cNvSpPr>
+          <p:nvPr>
+            <p:ph type="title"/>
+          </p:nvPr>
+        </p:nvSpPr>
+        <p:spPr/>
+        <p:txBody>
+          <a:bodyPr/>
+          <a:lstStyle/>
+          <a:p>
+            <a:r>
+              <a:rPr lang="en-US" altLang="zh-CN" dirty="0" smtClean="0"/>
+              <a:t>Data augmentation</a:t>
+            </a:r>
+            <a:endParaRPr lang="zh-CN" altLang="en-US" dirty="0"/>
+          </a:p>
+        </p:txBody>
+      </p:sp>
+      <p:sp>
+        <p:nvSpPr>
+          <p:cNvPr id="4" name="矩形 3"/>
+          <p:cNvSpPr/>
+          <p:nvPr/>
+        </p:nvSpPr>
+        <p:spPr>
+          <a:xfrm>
+            <a:off x="34384" y="980728"/>
+            <a:ext cx="8787199" cy="5355312"/>
+          </a:xfrm>
+          <a:prstGeom prst="rect">
+            <a:avLst/>
+          </a:prstGeom>
+        </p:spPr>
+        <p:txBody>
+          <a:bodyPr wrap="square">
+            <a:spAutoFit/>
+          </a:bodyPr>
+          <a:lstStyle/>
+          <a:p>
+            <a:r>
+              <a:rPr lang="en-US" altLang="zh-CN" dirty="0"/>
+              <a:t>from </a:t>
+            </a:r>
+            <a:r>
+              <a:rPr lang="en-US" altLang="zh-CN" dirty="0" err="1"/>
+              <a:t>keras.preprocessing.image</a:t>
+            </a:r>
+            <a:r>
+              <a:rPr lang="en-US" altLang="zh-CN" dirty="0"/>
+              <a:t> import </a:t>
+            </a:r>
+            <a:r>
+              <a:rPr lang="en-US" altLang="zh-CN" dirty="0" err="1"/>
+              <a:t>ImageDataGenerator</a:t>
+            </a:r>
+            <a:endParaRPr lang="en-US" altLang="zh-CN" dirty="0"/>
+          </a:p>
+          <a:p>
+            <a:r>
+              <a:rPr lang="zh-CN" altLang="en-US" dirty="0" smtClean="0"/>
+              <a:t>datagen </a:t>
+            </a:r>
+            <a:r>
+              <a:rPr lang="zh-CN" altLang="en-US" dirty="0"/>
+              <a:t>= ImageDataGenerator(</a:t>
+            </a:r>
+          </a:p>
+          <a:p>
+            <a:r>
+              <a:rPr lang="zh-CN" altLang="en-US" dirty="0"/>
+              <a:t>        featurewise_center=False,  # set input mean to 0 over the dataset</a:t>
+            </a:r>
+          </a:p>
+          <a:p>
+            <a:r>
+              <a:rPr lang="zh-CN" altLang="en-US" dirty="0"/>
+              <a:t>        samplewise_center=False,  # set each sample mean to 0</a:t>
+            </a:r>
+          </a:p>
+          <a:p>
+            <a:r>
+              <a:rPr lang="zh-CN" altLang="en-US" dirty="0"/>
+              <a:t>        featurewise_std_normalization=False,  # divide inputs by std of the dataset</a:t>
+            </a:r>
+          </a:p>
+          <a:p>
+            <a:r>
+              <a:rPr lang="zh-CN" altLang="en-US" dirty="0"/>
+              <a:t>        samplewise_std_normalization=False,  # divide each input by its std</a:t>
+            </a:r>
+          </a:p>
+          <a:p>
+            <a:r>
+              <a:rPr lang="zh-CN" altLang="en-US" dirty="0"/>
+              <a:t>        zca_whitening=False,  # apply ZCA whitening</a:t>
+            </a:r>
+          </a:p>
+          <a:p>
+            <a:r>
+              <a:rPr lang="zh-CN" altLang="en-US" dirty="0"/>
+              <a:t>        rotation_range=0,  # randomly rotate images in the range (degrees, 0 to 180)</a:t>
+            </a:r>
+          </a:p>
+          <a:p>
+            <a:r>
+              <a:rPr lang="zh-CN" altLang="en-US" dirty="0"/>
+              <a:t>        width_shift_range=0.1,  # randomly shift images horizontally (fraction of total width)</a:t>
+            </a:r>
+          </a:p>
+          <a:p>
+            <a:r>
+              <a:rPr lang="zh-CN" altLang="en-US" dirty="0"/>
+              <a:t>        height_shift_range=0.1,  # randomly shift images vertically (fraction of total height)</a:t>
+            </a:r>
+          </a:p>
+          <a:p>
+            <a:r>
+              <a:rPr lang="zh-CN" altLang="en-US" dirty="0"/>
+              <a:t>        horizontal_flip=True,  # randomly flip images</a:t>
+            </a:r>
+          </a:p>
+          <a:p>
+            <a:r>
+              <a:rPr lang="zh-CN" altLang="en-US" dirty="0"/>
+              <a:t>        vertical_flip=False)  # randomly flip images</a:t>
+            </a:r>
+          </a:p>
+          <a:p>
+            <a:endParaRPr lang="zh-CN" altLang="en-US" dirty="0"/>
+          </a:p>
+          <a:p>
+            <a:r>
+              <a:rPr lang="zh-CN" altLang="en-US" dirty="0"/>
+              <a:t>datagen.fit(x_train)</a:t>
+            </a:r>
+          </a:p>
+          <a:p>
+            <a:endParaRPr lang="zh-CN" altLang="en-US" dirty="0"/>
+          </a:p>
+          <a:p>
+            <a:r>
+              <a:rPr lang="zh-CN" altLang="en-US" dirty="0"/>
+              <a:t>model.fit_generator(datagen.flow(x_train, y_train,</a:t>
+            </a:r>
+          </a:p>
+          <a:p>
+            <a:r>
+              <a:rPr lang="zh-CN" altLang="en-US" dirty="0"/>
+              <a:t>                        batch_size=batch_size),</a:t>
+            </a:r>
+          </a:p>
+          <a:p>
+            <a:r>
+              <a:rPr lang="zh-CN" altLang="en-US" dirty="0"/>
+              <a:t>                        epochs=epochs,</a:t>
+            </a:r>
+          </a:p>
+          <a:p>
+            <a:r>
+              <a:rPr lang="zh-CN" altLang="en-US" dirty="0"/>
+              <a:t>                        workers=4)</a:t>
+            </a:r>
+          </a:p>
+        </p:txBody>
+      </p:sp>
+    </p:spTree>
+    <p:extLst>
+      <p:ext uri="{BB962C8B-B14F-4D97-AF65-F5344CB8AC3E}">
+        <p14:creationId xmlns:p14="http://schemas.microsoft.com/office/powerpoint/2010/main" val="1706421466"/>
+      </p:ext>
+    </p:extLst>
+  </p:cSld>
+  <p:clrMapOvr>
+    <a:masterClrMapping/>
+  </p:clrMapOvr>
+</p:sld>
+</file>
+
+<file path=ppt/slides/slide52.xml><?xml version="1.0" encoding="utf-8"?>
+<p:sld xmlns:a="http://schemas.openxmlformats.org/drawingml/2006/main" xmlns:r="http://schemas.openxmlformats.org/officeDocument/2006/relationships" xmlns:p="http://schemas.openxmlformats.org/presentationml/2006/main">
+  <p:cSld>
+    <p:spTree>
+      <p:nvGrpSpPr>
+        <p:cNvPr id="1" name=""/>
+        <p:cNvGrpSpPr/>
+        <p:nvPr/>
+      </p:nvGrpSpPr>
+      <p:grpSpPr>
+        <a:xfrm>
+          <a:off x="0" y="0"/>
+          <a:ext cx="0" cy="0"/>
+          <a:chOff x="0" y="0"/>
+          <a:chExt cx="0" cy="0"/>
+        </a:xfrm>
+      </p:grpSpPr>
+      <p:sp>
+        <p:nvSpPr>
+          <p:cNvPr id="3" name="标题 2"/>
+          <p:cNvSpPr>
+            <a:spLocks noGrp="1"/>
+          </p:cNvSpPr>
+          <p:nvPr>
+            <p:ph type="title"/>
+          </p:nvPr>
+        </p:nvSpPr>
+        <p:spPr/>
+        <p:txBody>
+          <a:bodyPr/>
+          <a:lstStyle/>
+          <a:p>
+            <a:r>
+              <a:rPr lang="en-US" altLang="zh-CN" dirty="0" smtClean="0"/>
+              <a:t>Six-layer CNN</a:t>
+            </a:r>
+            <a:endParaRPr lang="zh-CN" altLang="en-US" dirty="0"/>
+          </a:p>
+        </p:txBody>
+      </p:sp>
+      <p:sp>
+        <p:nvSpPr>
+          <p:cNvPr id="4" name="矩形 3"/>
+          <p:cNvSpPr/>
+          <p:nvPr/>
+        </p:nvSpPr>
+        <p:spPr>
+          <a:xfrm>
+            <a:off x="179512" y="1484784"/>
+            <a:ext cx="8820472" cy="4247317"/>
+          </a:xfrm>
+          <a:prstGeom prst="rect">
+            <a:avLst/>
+          </a:prstGeom>
+        </p:spPr>
+        <p:txBody>
+          <a:bodyPr wrap="square">
+            <a:spAutoFit/>
+          </a:bodyPr>
+          <a:lstStyle/>
+          <a:p>
+            <a:r>
+              <a:rPr lang="zh-CN" altLang="en-US" dirty="0"/>
+              <a:t>input_layer = Input(shape=(32, 32, 3, ))</a:t>
+            </a:r>
+          </a:p>
+          <a:p>
+            <a:r>
+              <a:rPr lang="zh-CN" altLang="en-US" dirty="0" smtClean="0"/>
+              <a:t>conv</a:t>
+            </a:r>
+            <a:r>
+              <a:rPr lang="zh-CN" altLang="en-US" dirty="0"/>
+              <a:t>_layer_1 = Conv2D(filters=32, kernel_size=(3, 3), activation='relu') (input_layer)</a:t>
+            </a:r>
+          </a:p>
+          <a:p>
+            <a:r>
+              <a:rPr lang="zh-CN" altLang="en-US" dirty="0"/>
+              <a:t>conv_layer_2 = Conv2D(filters=32, kernel_size=(3, 3), activation='relu') (conv_layer_1)</a:t>
+            </a:r>
+          </a:p>
+          <a:p>
+            <a:r>
+              <a:rPr lang="zh-CN" altLang="en-US" dirty="0"/>
+              <a:t>pooling_layer_1 = MaxPooling2D(pool_size=(2, 2)) (conv_layer_2)</a:t>
+            </a:r>
+          </a:p>
+          <a:p>
+            <a:r>
+              <a:rPr lang="zh-CN" altLang="en-US" dirty="0"/>
+              <a:t>dropout_layer_1 = Dropout(0.25) (pooling_layer_1)</a:t>
+            </a:r>
+          </a:p>
+          <a:p>
+            <a:endParaRPr lang="zh-CN" altLang="en-US" dirty="0"/>
+          </a:p>
+          <a:p>
+            <a:r>
+              <a:rPr lang="zh-CN" altLang="en-US" dirty="0"/>
+              <a:t>conv_layer_3 = Conv2D(filters=64, kernel_size=(3, 3), activation='relu') (dropout_layer_1)</a:t>
+            </a:r>
+          </a:p>
+          <a:p>
+            <a:r>
+              <a:rPr lang="zh-CN" altLang="en-US" dirty="0"/>
+              <a:t>conv_layer_4 = Conv2D(filters=64, kernel_size=(3, 3), activation='relu') (conv_layer_3)</a:t>
+            </a:r>
+          </a:p>
+          <a:p>
+            <a:r>
+              <a:rPr lang="zh-CN" altLang="en-US" dirty="0"/>
+              <a:t>pooling_layer_2 = MaxPooling2D(pool_size=(2, 2)) (conv_layer_4)</a:t>
+            </a:r>
+          </a:p>
+          <a:p>
+            <a:r>
+              <a:rPr lang="zh-CN" altLang="en-US" dirty="0"/>
+              <a:t>dropout_layer_2 = Dropout(0.25) (pooling_layer_2)</a:t>
+            </a:r>
+          </a:p>
+          <a:p>
+            <a:endParaRPr lang="zh-CN" altLang="en-US" dirty="0"/>
+          </a:p>
+          <a:p>
+            <a:r>
+              <a:rPr lang="zh-CN" altLang="en-US" dirty="0"/>
+              <a:t>flatten_layer = Flatten()(dropout_layer_2)</a:t>
+            </a:r>
+          </a:p>
+          <a:p>
+            <a:r>
+              <a:rPr lang="zh-CN" altLang="en-US" dirty="0"/>
+              <a:t>hidden_layer = Dense(512, activation='relu') (flatten_layer)</a:t>
+            </a:r>
+          </a:p>
+          <a:p>
+            <a:r>
+              <a:rPr lang="zh-CN" altLang="en-US" dirty="0"/>
+              <a:t>dropout_layer_2 = Dropout(0.5) (hidden_layer)</a:t>
+            </a:r>
+          </a:p>
+          <a:p>
+            <a:r>
+              <a:rPr lang="zh-CN" altLang="en-US" dirty="0"/>
+              <a:t>output_layer = Dense(num_classes, activation='softmax') (dropout_layer_2)</a:t>
+            </a:r>
+          </a:p>
+        </p:txBody>
+      </p:sp>
+    </p:spTree>
+    <p:extLst>
+      <p:ext uri="{BB962C8B-B14F-4D97-AF65-F5344CB8AC3E}">
+        <p14:creationId xmlns:p14="http://schemas.microsoft.com/office/powerpoint/2010/main" val="797785185"/>
+      </p:ext>
+    </p:extLst>
+  </p:cSld>
+  <p:clrMapOvr>
+    <a:masterClrMapping/>
+  </p:clrMapOvr>
+</p:sld>
+</file>
+
+<file path=ppt/slides/slide53.xml><?xml version="1.0" encoding="utf-8"?>
+<p:sld xmlns:a="http://schemas.openxmlformats.org/drawingml/2006/main" xmlns:r="http://schemas.openxmlformats.org/officeDocument/2006/relationships" xmlns:p="http://schemas.openxmlformats.org/presentationml/2006/main">
+  <p:cSld>
+    <p:spTree>
+      <p:nvGrpSpPr>
+        <p:cNvPr id="1" name=""/>
+        <p:cNvGrpSpPr/>
+        <p:nvPr/>
+      </p:nvGrpSpPr>
+      <p:grpSpPr>
+        <a:xfrm>
+          <a:off x="0" y="0"/>
+          <a:ext cx="0" cy="0"/>
+          <a:chOff x="0" y="0"/>
+          <a:chExt cx="0" cy="0"/>
+        </a:xfrm>
+      </p:grpSpPr>
+      <p:sp>
+        <p:nvSpPr>
+          <p:cNvPr id="3" name="标题 2"/>
+          <p:cNvSpPr>
+            <a:spLocks noGrp="1"/>
+          </p:cNvSpPr>
+          <p:nvPr>
+            <p:ph type="title"/>
+          </p:nvPr>
+        </p:nvSpPr>
+        <p:spPr/>
+        <p:txBody>
+          <a:bodyPr/>
+          <a:lstStyle/>
+          <a:p>
+            <a:r>
+              <a:rPr lang="en-US" altLang="zh-CN" dirty="0" smtClean="0"/>
+              <a:t>11layer-VGG</a:t>
+            </a:r>
+            <a:endParaRPr lang="zh-CN" altLang="en-US" dirty="0"/>
+          </a:p>
+        </p:txBody>
+      </p:sp>
+      <p:sp>
+        <p:nvSpPr>
+          <p:cNvPr id="4" name="矩形 3"/>
+          <p:cNvSpPr/>
+          <p:nvPr/>
+        </p:nvSpPr>
+        <p:spPr>
+          <a:xfrm>
+            <a:off x="323528" y="1268760"/>
+            <a:ext cx="8676456" cy="3970318"/>
+          </a:xfrm>
+          <a:prstGeom prst="rect">
+            <a:avLst/>
+          </a:prstGeom>
+        </p:spPr>
+        <p:txBody>
+          <a:bodyPr wrap="square">
+            <a:spAutoFit/>
+          </a:bodyPr>
+          <a:lstStyle/>
+          <a:p>
+            <a:r>
+              <a:rPr lang="zh-CN" altLang="en-US" dirty="0"/>
+              <a:t>input_layer = Input(shape=(32, 32, 3, ))</a:t>
+            </a:r>
+          </a:p>
+          <a:p>
+            <a:r>
+              <a:rPr lang="zh-CN" altLang="en-US" dirty="0" smtClean="0"/>
+              <a:t>conv</a:t>
+            </a:r>
+            <a:r>
+              <a:rPr lang="zh-CN" altLang="en-US" dirty="0"/>
+              <a:t>_layer_1 = Conv2D(filters=64, kernel_size=(3, 3), padding='same', activation='relu', kernel_initializer='he_normal') (input_layer)</a:t>
+            </a:r>
+          </a:p>
+          <a:p>
+            <a:r>
+              <a:rPr lang="zh-CN" altLang="en-US" dirty="0"/>
+              <a:t>conv_layer_2 = Conv2D(filters=64, kernel_size=(3, 3), padding='same', activation='relu', kernel_initializer='he_normal') (conv_layer_1)</a:t>
+            </a:r>
+          </a:p>
+          <a:p>
+            <a:r>
+              <a:rPr lang="zh-CN" altLang="en-US" dirty="0"/>
+              <a:t>pooling_layer_1 = MaxPooling2D(pool_size=(2, 2), strides=2, padding='same') (conv_layer_2)</a:t>
+            </a:r>
+          </a:p>
+          <a:p>
+            <a:endParaRPr lang="zh-CN" altLang="en-US" dirty="0"/>
+          </a:p>
+          <a:p>
+            <a:r>
+              <a:rPr lang="zh-CN" altLang="en-US" dirty="0"/>
+              <a:t>conv_layer_3 = Conv2D(filters=128, kernel_size=(3, 3), padding='same', activation='relu', kernel_initializer='he_normal') (pooling_layer_1)</a:t>
+            </a:r>
+          </a:p>
+          <a:p>
+            <a:r>
+              <a:rPr lang="zh-CN" altLang="en-US" dirty="0"/>
+              <a:t>conv_layer_4 = Conv2D(filters=128, kernel_size=(3, 3), padding='same', activation='relu', kernel_initializer='he_normal') (conv_layer_3)</a:t>
+            </a:r>
+          </a:p>
+          <a:p>
+            <a:r>
+              <a:rPr lang="zh-CN" altLang="en-US" dirty="0"/>
+              <a:t>pooling_layer_2 = MaxPooling2D(pool_size=(2, 2)) (conv_layer_4)</a:t>
+            </a:r>
+          </a:p>
+          <a:p>
+            <a:endParaRPr lang="zh-CN" altLang="en-US" dirty="0"/>
+          </a:p>
+        </p:txBody>
+      </p:sp>
+    </p:spTree>
+    <p:extLst>
+      <p:ext uri="{BB962C8B-B14F-4D97-AF65-F5344CB8AC3E}">
+        <p14:creationId xmlns:p14="http://schemas.microsoft.com/office/powerpoint/2010/main" val="1348613957"/>
+      </p:ext>
+    </p:extLst>
+  </p:cSld>
+  <p:clrMapOvr>
+    <a:masterClrMapping/>
+  </p:clrMapOvr>
+</p:sld>
+</file>
+
+<file path=ppt/slides/slide54.xml><?xml version="1.0" encoding="utf-8"?>
+<p:sld xmlns:a="http://schemas.openxmlformats.org/drawingml/2006/main" xmlns:r="http://schemas.openxmlformats.org/officeDocument/2006/relationships" xmlns:p="http://schemas.openxmlformats.org/presentationml/2006/main">
+  <p:cSld>
+    <p:spTree>
+      <p:nvGrpSpPr>
+        <p:cNvPr id="1" name=""/>
+        <p:cNvGrpSpPr/>
+        <p:nvPr/>
+      </p:nvGrpSpPr>
+      <p:grpSpPr>
+        <a:xfrm>
+          <a:off x="0" y="0"/>
+          <a:ext cx="0" cy="0"/>
+          <a:chOff x="0" y="0"/>
+          <a:chExt cx="0" cy="0"/>
+        </a:xfrm>
+      </p:grpSpPr>
+      <p:sp>
+        <p:nvSpPr>
+          <p:cNvPr id="3" name="标题 2"/>
+          <p:cNvSpPr>
+            <a:spLocks noGrp="1"/>
+          </p:cNvSpPr>
+          <p:nvPr>
+            <p:ph type="title"/>
+          </p:nvPr>
+        </p:nvSpPr>
+        <p:spPr/>
+        <p:txBody>
+          <a:bodyPr/>
+          <a:lstStyle/>
+          <a:p>
+            <a:r>
+              <a:rPr lang="en-US" altLang="zh-CN" dirty="0" smtClean="0"/>
+              <a:t>11layer-VGG</a:t>
+            </a:r>
+            <a:endParaRPr lang="zh-CN" altLang="en-US" dirty="0"/>
+          </a:p>
+        </p:txBody>
+      </p:sp>
+      <p:sp>
+        <p:nvSpPr>
+          <p:cNvPr id="4" name="矩形 3"/>
+          <p:cNvSpPr/>
+          <p:nvPr/>
+        </p:nvSpPr>
+        <p:spPr>
+          <a:xfrm>
+            <a:off x="287524" y="1124744"/>
+            <a:ext cx="8280920" cy="3416320"/>
+          </a:xfrm>
+          <a:prstGeom prst="rect">
+            <a:avLst/>
+          </a:prstGeom>
+        </p:spPr>
+        <p:txBody>
+          <a:bodyPr wrap="square">
+            <a:spAutoFit/>
+          </a:bodyPr>
+          <a:lstStyle/>
+          <a:p>
+            <a:r>
+              <a:rPr lang="zh-CN" altLang="en-US" dirty="0"/>
+              <a:t>conv_layer_5 = Conv2D(filters=256, kernel_size=(3, 3), padding='same', activation='relu', kernel_initializer='he_normal') (pooling_layer_2)</a:t>
+            </a:r>
+          </a:p>
+          <a:p>
+            <a:r>
+              <a:rPr lang="zh-CN" altLang="en-US" dirty="0"/>
+              <a:t>conv_layer_6 = Conv2D(filters=256, kernel_size=(3, 3), padding='same', activation='relu', kernel_initializer='he_normal') (conv_layer_5)</a:t>
+            </a:r>
+          </a:p>
+          <a:p>
+            <a:r>
+              <a:rPr lang="zh-CN" altLang="en-US" dirty="0"/>
+              <a:t>pooling_layer_3 = MaxPooling2D(pool_size=(2, 2)) (conv_layer_6)</a:t>
+            </a:r>
+          </a:p>
+          <a:p>
+            <a:endParaRPr lang="zh-CN" altLang="en-US" dirty="0"/>
+          </a:p>
+          <a:p>
+            <a:r>
+              <a:rPr lang="zh-CN" altLang="en-US" dirty="0"/>
+              <a:t>flatten_layer = Flatten()(pooling_layer_3)</a:t>
+            </a:r>
+          </a:p>
+          <a:p>
+            <a:r>
+              <a:rPr lang="zh-CN" altLang="en-US" dirty="0"/>
+              <a:t>hidden_layer = Dense(512, activation='relu', kernel_initializer='he_normal') (flatten_layer)</a:t>
+            </a:r>
+          </a:p>
+          <a:p>
+            <a:r>
+              <a:rPr lang="zh-CN" altLang="en-US" dirty="0"/>
+              <a:t>dropout_layer_2 = Dropout(0.5) (hidden_layer)</a:t>
+            </a:r>
+          </a:p>
+          <a:p>
+            <a:r>
+              <a:rPr lang="zh-CN" altLang="en-US" dirty="0"/>
+              <a:t>output_layer = Dense(num_classes, activation='softmax', kernel_initializer='he_normal') (dropout_layer_2)</a:t>
+            </a:r>
+          </a:p>
+        </p:txBody>
+      </p:sp>
+    </p:spTree>
+    <p:extLst>
+      <p:ext uri="{BB962C8B-B14F-4D97-AF65-F5344CB8AC3E}">
+        <p14:creationId xmlns:p14="http://schemas.microsoft.com/office/powerpoint/2010/main" val="2182643965"/>
+      </p:ext>
+    </p:extLst>
+  </p:cSld>
+  <p:clrMapOvr>
+    <a:masterClrMapping/>
+  </p:clrMapOvr>
+</p:sld>
+</file>
+
+<file path=ppt/slides/slide55.xml><?xml version="1.0" encoding="utf-8"?>
+<p:sld xmlns:a="http://schemas.openxmlformats.org/drawingml/2006/main" xmlns:r="http://schemas.openxmlformats.org/officeDocument/2006/relationships" xmlns:p="http://schemas.openxmlformats.org/presentationml/2006/main">
+  <p:cSld>
+    <p:spTree>
+      <p:nvGrpSpPr>
+        <p:cNvPr id="1" name=""/>
+        <p:cNvGrpSpPr/>
+        <p:nvPr/>
+      </p:nvGrpSpPr>
+      <p:grpSpPr>
+        <a:xfrm>
+          <a:off x="0" y="0"/>
+          <a:ext cx="0" cy="0"/>
+          <a:chOff x="0" y="0"/>
+          <a:chExt cx="0" cy="0"/>
+        </a:xfrm>
+      </p:grpSpPr>
+      <p:sp>
+        <p:nvSpPr>
+          <p:cNvPr id="3" name="标题 2"/>
+          <p:cNvSpPr>
+            <a:spLocks noGrp="1"/>
+          </p:cNvSpPr>
+          <p:nvPr>
+            <p:ph type="title"/>
+          </p:nvPr>
+        </p:nvSpPr>
+        <p:spPr/>
+        <p:txBody>
+          <a:bodyPr/>
+          <a:lstStyle/>
+          <a:p>
+            <a:r>
+              <a:rPr lang="en-US" altLang="zh-CN" dirty="0" smtClean="0"/>
+              <a:t>Batch Normalization</a:t>
+            </a:r>
+            <a:endParaRPr lang="zh-CN" altLang="en-US" dirty="0"/>
+          </a:p>
+        </p:txBody>
+      </p:sp>
+      <p:sp>
+        <p:nvSpPr>
+          <p:cNvPr id="4" name="矩形 3"/>
+          <p:cNvSpPr/>
+          <p:nvPr/>
+        </p:nvSpPr>
+        <p:spPr>
+          <a:xfrm>
+            <a:off x="683568" y="1412776"/>
+            <a:ext cx="7776864" cy="4247317"/>
+          </a:xfrm>
+          <a:prstGeom prst="rect">
+            <a:avLst/>
+          </a:prstGeom>
+        </p:spPr>
+        <p:txBody>
+          <a:bodyPr wrap="square">
+            <a:spAutoFit/>
+          </a:bodyPr>
+          <a:lstStyle/>
+          <a:p>
+            <a:r>
+              <a:rPr lang="en-US" altLang="zh-CN" dirty="0" smtClean="0"/>
+              <a:t># replace x to </a:t>
+            </a:r>
+            <a:r>
+              <a:rPr lang="en-US" altLang="zh-CN" dirty="0" err="1" smtClean="0"/>
+              <a:t>layer_name</a:t>
+            </a:r>
+            <a:endParaRPr lang="en-US" altLang="zh-CN" dirty="0" smtClean="0"/>
+          </a:p>
+          <a:p>
+            <a:r>
+              <a:rPr lang="en-US" altLang="zh-CN" dirty="0" smtClean="0"/>
+              <a:t>from </a:t>
+            </a:r>
+            <a:r>
+              <a:rPr lang="en-US" altLang="zh-CN" dirty="0" err="1" smtClean="0"/>
+              <a:t>keras.layers</a:t>
+            </a:r>
+            <a:r>
+              <a:rPr lang="en-US" altLang="zh-CN" dirty="0"/>
+              <a:t> import </a:t>
+            </a:r>
+            <a:r>
+              <a:rPr lang="en-US" altLang="zh-CN" dirty="0" err="1"/>
+              <a:t>BatchNormalization</a:t>
+            </a:r>
+            <a:endParaRPr lang="en-US" altLang="zh-CN" dirty="0" smtClean="0"/>
+          </a:p>
+          <a:p>
+            <a:endParaRPr lang="en-US" altLang="zh-CN" dirty="0" smtClean="0"/>
+          </a:p>
+          <a:p>
+            <a:r>
+              <a:rPr lang="zh-CN" altLang="en-US" dirty="0" smtClean="0"/>
+              <a:t>if </a:t>
+            </a:r>
+            <a:r>
+              <a:rPr lang="zh-CN" altLang="en-US" dirty="0"/>
+              <a:t>conv_first:</a:t>
+            </a:r>
+          </a:p>
+          <a:p>
+            <a:r>
+              <a:rPr lang="zh-CN" altLang="en-US" dirty="0"/>
+              <a:t>        x = conv(x)</a:t>
+            </a:r>
+          </a:p>
+          <a:p>
+            <a:r>
+              <a:rPr lang="zh-CN" altLang="en-US" dirty="0"/>
+              <a:t>        if batch_normalization:</a:t>
+            </a:r>
+          </a:p>
+          <a:p>
+            <a:r>
+              <a:rPr lang="zh-CN" altLang="en-US" dirty="0"/>
+              <a:t>            x = BatchNormalization()(x)</a:t>
+            </a:r>
+          </a:p>
+          <a:p>
+            <a:r>
+              <a:rPr lang="zh-CN" altLang="en-US" dirty="0"/>
+              <a:t>        if activation is not None:</a:t>
+            </a:r>
+          </a:p>
+          <a:p>
+            <a:r>
+              <a:rPr lang="zh-CN" altLang="en-US" dirty="0"/>
+              <a:t>            x = Activation(activation)(x)</a:t>
+            </a:r>
+          </a:p>
+          <a:p>
+            <a:r>
+              <a:rPr lang="zh-CN" altLang="en-US" dirty="0"/>
+              <a:t>    else:</a:t>
+            </a:r>
+          </a:p>
+          <a:p>
+            <a:r>
+              <a:rPr lang="zh-CN" altLang="en-US" dirty="0"/>
+              <a:t>        if batch_normalization:</a:t>
+            </a:r>
+          </a:p>
+          <a:p>
+            <a:r>
+              <a:rPr lang="zh-CN" altLang="en-US" dirty="0"/>
+              <a:t>            x = BatchNormalization()(x)</a:t>
+            </a:r>
+          </a:p>
+          <a:p>
+            <a:r>
+              <a:rPr lang="zh-CN" altLang="en-US" dirty="0"/>
+              <a:t>        if activation is not None:</a:t>
+            </a:r>
+          </a:p>
+          <a:p>
+            <a:r>
+              <a:rPr lang="zh-CN" altLang="en-US" dirty="0"/>
+              <a:t>            x = Activation(activation)(x)</a:t>
+            </a:r>
+          </a:p>
+          <a:p>
+            <a:r>
+              <a:rPr lang="zh-CN" altLang="en-US" dirty="0"/>
+              <a:t>        x = conv(x)</a:t>
+            </a:r>
+          </a:p>
+        </p:txBody>
+      </p:sp>
+    </p:spTree>
+    <p:extLst>
+      <p:ext uri="{BB962C8B-B14F-4D97-AF65-F5344CB8AC3E}">
+        <p14:creationId xmlns:p14="http://schemas.microsoft.com/office/powerpoint/2010/main" val="3577162073"/>
+      </p:ext>
+    </p:extLst>
+  </p:cSld>
+  <p:clrMapOvr>
+    <a:masterClrMapping/>
+  </p:clrMapOvr>
+</p:sld>
+</file>
+
+<file path=ppt/slides/slide56.xml><?xml version="1.0" encoding="utf-8"?>
+<p:sld xmlns:a="http://schemas.openxmlformats.org/drawingml/2006/main" xmlns:r="http://schemas.openxmlformats.org/officeDocument/2006/relationships" xmlns:p="http://schemas.openxmlformats.org/presentationml/2006/main">
+  <p:cSld>
+    <p:spTree>
+      <p:nvGrpSpPr>
+        <p:cNvPr id="1" name=""/>
+        <p:cNvGrpSpPr/>
+        <p:nvPr/>
+      </p:nvGrpSpPr>
+      <p:grpSpPr>
+        <a:xfrm>
+          <a:off x="0" y="0"/>
+          <a:ext cx="0" cy="0"/>
+          <a:chOff x="0" y="0"/>
+          <a:chExt cx="0" cy="0"/>
+        </a:xfrm>
+      </p:grpSpPr>
+      <p:sp>
+        <p:nvSpPr>
+          <p:cNvPr id="3" name="标题 2"/>
+          <p:cNvSpPr>
+            <a:spLocks noGrp="1"/>
+          </p:cNvSpPr>
+          <p:nvPr>
+            <p:ph type="title"/>
+          </p:nvPr>
+        </p:nvSpPr>
+        <p:spPr/>
+        <p:txBody>
+          <a:bodyPr/>
+          <a:lstStyle/>
+          <a:p>
+            <a:r>
+              <a:rPr lang="en-US" altLang="zh-CN" dirty="0" smtClean="0"/>
+              <a:t>ResNet-110</a:t>
+            </a:r>
+            <a:endParaRPr lang="zh-CN" altLang="en-US" dirty="0"/>
+          </a:p>
+        </p:txBody>
+      </p:sp>
+      <p:sp>
+        <p:nvSpPr>
+          <p:cNvPr id="4" name="矩形 3"/>
+          <p:cNvSpPr/>
+          <p:nvPr/>
+        </p:nvSpPr>
+        <p:spPr>
+          <a:xfrm>
+            <a:off x="234934" y="1052736"/>
+            <a:ext cx="8939336" cy="5632311"/>
+          </a:xfrm>
+          <a:prstGeom prst="rect">
+            <a:avLst/>
+          </a:prstGeom>
+        </p:spPr>
+        <p:txBody>
+          <a:bodyPr wrap="square">
+            <a:spAutoFit/>
+          </a:bodyPr>
+          <a:lstStyle/>
+          <a:p>
+            <a:r>
+              <a:rPr lang="zh-CN" altLang="en-US" dirty="0"/>
+              <a:t>def resnet_layer(inputs</a:t>
+            </a:r>
+            <a:r>
+              <a:rPr lang="zh-CN" altLang="en-US" dirty="0" smtClean="0"/>
+              <a:t>, num</a:t>
+            </a:r>
+            <a:r>
+              <a:rPr lang="zh-CN" altLang="en-US" dirty="0"/>
+              <a:t>_filters=16</a:t>
+            </a:r>
+            <a:r>
+              <a:rPr lang="zh-CN" altLang="en-US" dirty="0" smtClean="0"/>
+              <a:t>, kernel</a:t>
+            </a:r>
+            <a:r>
+              <a:rPr lang="zh-CN" altLang="en-US" dirty="0"/>
+              <a:t>_size=3</a:t>
+            </a:r>
+            <a:r>
+              <a:rPr lang="zh-CN" altLang="en-US" dirty="0" smtClean="0"/>
+              <a:t>, strides</a:t>
+            </a:r>
+            <a:r>
+              <a:rPr lang="zh-CN" altLang="en-US" dirty="0"/>
+              <a:t>=1</a:t>
+            </a:r>
+            <a:r>
+              <a:rPr lang="zh-CN" altLang="en-US" dirty="0" smtClean="0"/>
+              <a:t>, activation</a:t>
+            </a:r>
+            <a:r>
+              <a:rPr lang="zh-CN" altLang="en-US" dirty="0"/>
+              <a:t>='relu</a:t>
+            </a:r>
+            <a:r>
+              <a:rPr lang="zh-CN" altLang="en-US" dirty="0" smtClean="0"/>
+              <a:t>', batch</a:t>
+            </a:r>
+            <a:r>
+              <a:rPr lang="zh-CN" altLang="en-US" dirty="0"/>
+              <a:t>_normalization=True</a:t>
+            </a:r>
+            <a:r>
+              <a:rPr lang="zh-CN" altLang="en-US" dirty="0" smtClean="0"/>
+              <a:t>, conv</a:t>
+            </a:r>
+            <a:r>
+              <a:rPr lang="zh-CN" altLang="en-US" dirty="0"/>
+              <a:t>_first=True):</a:t>
+            </a:r>
+          </a:p>
+          <a:p>
+            <a:endParaRPr lang="zh-CN" altLang="en-US" dirty="0"/>
+          </a:p>
+          <a:p>
+            <a:r>
+              <a:rPr lang="zh-CN" altLang="en-US" dirty="0"/>
+              <a:t>    conv = Conv2D(num_filters</a:t>
+            </a:r>
+            <a:r>
+              <a:rPr lang="zh-CN" altLang="en-US" dirty="0" smtClean="0"/>
+              <a:t>, kernel</a:t>
+            </a:r>
+            <a:r>
+              <a:rPr lang="zh-CN" altLang="en-US" dirty="0"/>
+              <a:t>_size=kernel_size</a:t>
+            </a:r>
+            <a:r>
+              <a:rPr lang="zh-CN" altLang="en-US" dirty="0" smtClean="0"/>
+              <a:t>, strides</a:t>
+            </a:r>
+            <a:r>
+              <a:rPr lang="zh-CN" altLang="en-US" dirty="0"/>
+              <a:t>=strides</a:t>
+            </a:r>
+            <a:r>
+              <a:rPr lang="zh-CN" altLang="en-US" dirty="0" smtClean="0"/>
+              <a:t>, padding</a:t>
+            </a:r>
+            <a:r>
+              <a:rPr lang="zh-CN" altLang="en-US" dirty="0"/>
+              <a:t>='same</a:t>
+            </a:r>
+            <a:r>
+              <a:rPr lang="zh-CN" altLang="en-US" dirty="0" smtClean="0"/>
+              <a:t>', kernel</a:t>
+            </a:r>
+            <a:r>
+              <a:rPr lang="zh-CN" altLang="en-US" dirty="0"/>
+              <a:t>_initializer='he_normal</a:t>
+            </a:r>
+            <a:r>
+              <a:rPr lang="zh-CN" altLang="en-US" dirty="0" smtClean="0"/>
+              <a:t>', kernel</a:t>
+            </a:r>
+            <a:r>
+              <a:rPr lang="zh-CN" altLang="en-US" dirty="0"/>
+              <a:t>_regularizer=l2(1e-4))</a:t>
+            </a:r>
+          </a:p>
+          <a:p>
+            <a:endParaRPr lang="zh-CN" altLang="en-US" dirty="0"/>
+          </a:p>
+          <a:p>
+            <a:r>
+              <a:rPr lang="zh-CN" altLang="en-US" dirty="0"/>
+              <a:t>    x = inputs</a:t>
+            </a:r>
+          </a:p>
+          <a:p>
+            <a:r>
+              <a:rPr lang="zh-CN" altLang="en-US" dirty="0"/>
+              <a:t>    if conv_first:</a:t>
+            </a:r>
+          </a:p>
+          <a:p>
+            <a:r>
+              <a:rPr lang="zh-CN" altLang="en-US" dirty="0"/>
+              <a:t>        x = conv(x)</a:t>
+            </a:r>
+          </a:p>
+          <a:p>
+            <a:r>
+              <a:rPr lang="zh-CN" altLang="en-US" dirty="0"/>
+              <a:t>        if batch_normalization:</a:t>
+            </a:r>
+          </a:p>
+          <a:p>
+            <a:r>
+              <a:rPr lang="zh-CN" altLang="en-US" dirty="0"/>
+              <a:t>            x = BatchNormalization()(x)</a:t>
+            </a:r>
+          </a:p>
+          <a:p>
+            <a:r>
+              <a:rPr lang="zh-CN" altLang="en-US" dirty="0"/>
+              <a:t>        if activation is not None:</a:t>
+            </a:r>
+          </a:p>
+          <a:p>
+            <a:r>
+              <a:rPr lang="zh-CN" altLang="en-US" dirty="0"/>
+              <a:t>            x = Activation(activation)(x)</a:t>
+            </a:r>
+          </a:p>
+          <a:p>
+            <a:r>
+              <a:rPr lang="zh-CN" altLang="en-US" dirty="0"/>
+              <a:t>    else:</a:t>
+            </a:r>
+          </a:p>
+          <a:p>
+            <a:r>
+              <a:rPr lang="zh-CN" altLang="en-US" dirty="0"/>
+              <a:t>        if batch_normalization:</a:t>
+            </a:r>
+          </a:p>
+          <a:p>
+            <a:r>
+              <a:rPr lang="zh-CN" altLang="en-US" dirty="0"/>
+              <a:t>            x = BatchNormalization()(x)</a:t>
+            </a:r>
+          </a:p>
+          <a:p>
+            <a:r>
+              <a:rPr lang="zh-CN" altLang="en-US" dirty="0"/>
+              <a:t>        if activation is not None:</a:t>
+            </a:r>
+          </a:p>
+          <a:p>
+            <a:r>
+              <a:rPr lang="zh-CN" altLang="en-US" dirty="0"/>
+              <a:t>            x = Activation(activation)(x)</a:t>
+            </a:r>
+          </a:p>
+          <a:p>
+            <a:r>
+              <a:rPr lang="zh-CN" altLang="en-US" dirty="0"/>
+              <a:t>        x = conv(x)</a:t>
+            </a:r>
+          </a:p>
+          <a:p>
+            <a:r>
+              <a:rPr lang="zh-CN" altLang="en-US" dirty="0"/>
+              <a:t>    return x</a:t>
+            </a:r>
+          </a:p>
+        </p:txBody>
+      </p:sp>
+    </p:spTree>
+    <p:extLst>
+      <p:ext uri="{BB962C8B-B14F-4D97-AF65-F5344CB8AC3E}">
+        <p14:creationId xmlns:p14="http://schemas.microsoft.com/office/powerpoint/2010/main" val="1612796631"/>
+      </p:ext>
+    </p:extLst>
+  </p:cSld>
+  <p:clrMapOvr>
+    <a:masterClrMapping/>
+  </p:clrMapOvr>
+</p:sld>
+</file>
+
+<file path=ppt/slides/slide57.xml><?xml version="1.0" encoding="utf-8"?>
+<p:sld xmlns:a="http://schemas.openxmlformats.org/drawingml/2006/main" xmlns:r="http://schemas.openxmlformats.org/officeDocument/2006/relationships" xmlns:p="http://schemas.openxmlformats.org/presentationml/2006/main">
+  <p:cSld>
+    <p:spTree>
+      <p:nvGrpSpPr>
+        <p:cNvPr id="1" name=""/>
+        <p:cNvGrpSpPr/>
+        <p:nvPr/>
+      </p:nvGrpSpPr>
+      <p:grpSpPr>
+        <a:xfrm>
+          <a:off x="0" y="0"/>
+          <a:ext cx="0" cy="0"/>
+          <a:chOff x="0" y="0"/>
+          <a:chExt cx="0" cy="0"/>
+        </a:xfrm>
+      </p:grpSpPr>
+      <p:sp>
+        <p:nvSpPr>
+          <p:cNvPr id="3" name="标题 2"/>
+          <p:cNvSpPr>
+            <a:spLocks noGrp="1"/>
+          </p:cNvSpPr>
+          <p:nvPr>
+            <p:ph type="title"/>
+          </p:nvPr>
+        </p:nvSpPr>
+        <p:spPr/>
+        <p:txBody>
+          <a:bodyPr>
+            <a:normAutofit/>
+          </a:bodyPr>
+          <a:lstStyle/>
+          <a:p>
+            <a:r>
+              <a:rPr lang="en-US" altLang="zh-CN" dirty="0" smtClean="0"/>
+              <a:t>ResNet-110</a:t>
+            </a:r>
+            <a:endParaRPr lang="zh-CN" altLang="en-US" dirty="0"/>
+          </a:p>
+        </p:txBody>
+      </p:sp>
+      <p:sp>
+        <p:nvSpPr>
+          <p:cNvPr id="4" name="矩形 3"/>
+          <p:cNvSpPr/>
+          <p:nvPr/>
+        </p:nvSpPr>
+        <p:spPr>
+          <a:xfrm>
+            <a:off x="251520" y="1268760"/>
+            <a:ext cx="8352928" cy="3416320"/>
+          </a:xfrm>
+          <a:prstGeom prst="rect">
+            <a:avLst/>
+          </a:prstGeom>
+        </p:spPr>
+        <p:txBody>
+          <a:bodyPr wrap="square">
+            <a:spAutoFit/>
+          </a:bodyPr>
+          <a:lstStyle/>
+          <a:p>
+            <a:r>
+              <a:rPr lang="zh-CN" altLang="en-US" dirty="0"/>
+              <a:t>def resnet_v2(input_shape, depth, num_classes=10):</a:t>
+            </a:r>
+          </a:p>
+          <a:p>
+            <a:r>
+              <a:rPr lang="zh-CN" altLang="en-US" dirty="0"/>
+              <a:t>    if (depth - 2) % 9 != 0:</a:t>
+            </a:r>
+          </a:p>
+          <a:p>
+            <a:r>
+              <a:rPr lang="zh-CN" altLang="en-US" dirty="0"/>
+              <a:t>        raise ValueError('depth should be 9n+2 (eg 56 or 110 in [b])')</a:t>
+            </a:r>
+          </a:p>
+          <a:p>
+            <a:r>
+              <a:rPr lang="zh-CN" altLang="en-US" dirty="0"/>
+              <a:t>    # Start model definition.</a:t>
+            </a:r>
+          </a:p>
+          <a:p>
+            <a:r>
+              <a:rPr lang="zh-CN" altLang="en-US" dirty="0"/>
+              <a:t>    num_filters_in = 16</a:t>
+            </a:r>
+          </a:p>
+          <a:p>
+            <a:r>
+              <a:rPr lang="zh-CN" altLang="en-US" dirty="0"/>
+              <a:t>    num_res_blocks = int((depth - 2) / 9)</a:t>
+            </a:r>
+          </a:p>
+          <a:p>
+            <a:endParaRPr lang="zh-CN" altLang="en-US" dirty="0"/>
+          </a:p>
+          <a:p>
+            <a:r>
+              <a:rPr lang="zh-CN" altLang="en-US" dirty="0"/>
+              <a:t>    inputs = Input(shape=input_shape)</a:t>
+            </a:r>
+          </a:p>
+          <a:p>
+            <a:r>
+              <a:rPr lang="zh-CN" altLang="en-US" dirty="0"/>
+              <a:t>    # v2 performs Conv2D with BN-ReLU on input before splitting into 2 paths</a:t>
+            </a:r>
+          </a:p>
+          <a:p>
+            <a:r>
+              <a:rPr lang="zh-CN" altLang="en-US" dirty="0"/>
+              <a:t>    x = resnet_layer(inputs=inputs,</a:t>
+            </a:r>
+          </a:p>
+          <a:p>
+            <a:r>
+              <a:rPr lang="zh-CN" altLang="en-US" dirty="0"/>
+              <a:t>                     num_filters=num_filters_in,</a:t>
+            </a:r>
+          </a:p>
+          <a:p>
+            <a:r>
+              <a:rPr lang="zh-CN" altLang="en-US" dirty="0"/>
+              <a:t>                     conv_first=True)</a:t>
+            </a:r>
+          </a:p>
+        </p:txBody>
+      </p:sp>
+    </p:spTree>
+    <p:extLst>
+      <p:ext uri="{BB962C8B-B14F-4D97-AF65-F5344CB8AC3E}">
+        <p14:creationId xmlns:p14="http://schemas.microsoft.com/office/powerpoint/2010/main" val="3796873291"/>
+      </p:ext>
+    </p:extLst>
+  </p:cSld>
+  <p:clrMapOvr>
+    <a:masterClrMapping/>
+  </p:clrMapOvr>
+</p:sld>
+</file>
+
+<file path=ppt/slides/slide58.xml><?xml version="1.0" encoding="utf-8"?>
+<p:sld xmlns:a="http://schemas.openxmlformats.org/drawingml/2006/main" xmlns:r="http://schemas.openxmlformats.org/officeDocument/2006/relationships" xmlns:p="http://schemas.openxmlformats.org/presentationml/2006/main">
+  <p:cSld>
+    <p:spTree>
+      <p:nvGrpSpPr>
+        <p:cNvPr id="1" name=""/>
+        <p:cNvGrpSpPr/>
+        <p:nvPr/>
+      </p:nvGrpSpPr>
+      <p:grpSpPr>
+        <a:xfrm>
+          <a:off x="0" y="0"/>
+          <a:ext cx="0" cy="0"/>
+          <a:chOff x="0" y="0"/>
+          <a:chExt cx="0" cy="0"/>
+        </a:xfrm>
+      </p:grpSpPr>
+      <p:sp>
+        <p:nvSpPr>
+          <p:cNvPr id="3" name="标题 2"/>
+          <p:cNvSpPr>
+            <a:spLocks noGrp="1"/>
+          </p:cNvSpPr>
+          <p:nvPr>
+            <p:ph type="title"/>
+          </p:nvPr>
+        </p:nvSpPr>
+        <p:spPr/>
+        <p:txBody>
+          <a:bodyPr/>
+          <a:lstStyle/>
+          <a:p>
+            <a:r>
+              <a:rPr lang="en-US" altLang="zh-CN" dirty="0" smtClean="0"/>
+              <a:t>ResNet-110</a:t>
+            </a:r>
+            <a:endParaRPr lang="zh-CN" altLang="en-US" dirty="0"/>
+          </a:p>
+        </p:txBody>
+      </p:sp>
+      <p:sp>
+        <p:nvSpPr>
+          <p:cNvPr id="4" name="矩形 3"/>
+          <p:cNvSpPr/>
+          <p:nvPr/>
+        </p:nvSpPr>
+        <p:spPr>
+          <a:xfrm>
+            <a:off x="179512" y="948690"/>
+            <a:ext cx="8784976" cy="5909310"/>
+          </a:xfrm>
+          <a:prstGeom prst="rect">
+            <a:avLst/>
+          </a:prstGeom>
+        </p:spPr>
+        <p:txBody>
+          <a:bodyPr wrap="square">
+            <a:spAutoFit/>
+          </a:bodyPr>
+          <a:lstStyle/>
+          <a:p>
+            <a:r>
+              <a:rPr lang="zh-CN" altLang="en-US" dirty="0" smtClean="0"/>
+              <a:t>    for </a:t>
+            </a:r>
+            <a:r>
+              <a:rPr lang="zh-CN" altLang="en-US" dirty="0"/>
+              <a:t>stage in range(3):</a:t>
+            </a:r>
+          </a:p>
+          <a:p>
+            <a:r>
+              <a:rPr lang="zh-CN" altLang="en-US" dirty="0"/>
+              <a:t>        for res_block in range(num_res_blocks):</a:t>
+            </a:r>
+          </a:p>
+          <a:p>
+            <a:r>
+              <a:rPr lang="zh-CN" altLang="en-US" dirty="0"/>
+              <a:t>            activation = 'relu'</a:t>
+            </a:r>
+          </a:p>
+          <a:p>
+            <a:r>
+              <a:rPr lang="zh-CN" altLang="en-US" dirty="0"/>
+              <a:t>            batch_normalization = True</a:t>
+            </a:r>
+          </a:p>
+          <a:p>
+            <a:r>
+              <a:rPr lang="zh-CN" altLang="en-US" dirty="0"/>
+              <a:t>            strides = 1</a:t>
+            </a:r>
+          </a:p>
+          <a:p>
+            <a:r>
+              <a:rPr lang="zh-CN" altLang="en-US" dirty="0"/>
+              <a:t>            if stage == 0:</a:t>
+            </a:r>
+          </a:p>
+          <a:p>
+            <a:r>
+              <a:rPr lang="zh-CN" altLang="en-US" dirty="0"/>
+              <a:t>                num_filters_out = num_filters_in * 4</a:t>
+            </a:r>
+          </a:p>
+          <a:p>
+            <a:r>
+              <a:rPr lang="zh-CN" altLang="en-US" dirty="0"/>
+              <a:t>                if res_block == 0:  # first layer and first stage</a:t>
+            </a:r>
+          </a:p>
+          <a:p>
+            <a:r>
+              <a:rPr lang="zh-CN" altLang="en-US" dirty="0"/>
+              <a:t>                    activation = None</a:t>
+            </a:r>
+          </a:p>
+          <a:p>
+            <a:r>
+              <a:rPr lang="zh-CN" altLang="en-US" dirty="0"/>
+              <a:t>                    batch_normalization = False</a:t>
+            </a:r>
+          </a:p>
+          <a:p>
+            <a:r>
+              <a:rPr lang="zh-CN" altLang="en-US" dirty="0"/>
+              <a:t>            else:</a:t>
+            </a:r>
+          </a:p>
+          <a:p>
+            <a:r>
+              <a:rPr lang="zh-CN" altLang="en-US" dirty="0"/>
+              <a:t>                num_filters_out = num_filters_in * 2</a:t>
+            </a:r>
+          </a:p>
+          <a:p>
+            <a:r>
+              <a:rPr lang="zh-CN" altLang="en-US" dirty="0"/>
+              <a:t>                if res_block == 0: </a:t>
+            </a:r>
+            <a:r>
+              <a:rPr lang="zh-CN" altLang="en-US" dirty="0" smtClean="0"/>
+              <a:t> # first layer but not first stage</a:t>
+            </a:r>
+          </a:p>
+          <a:p>
+            <a:r>
+              <a:rPr lang="zh-CN" altLang="en-US" dirty="0" smtClean="0"/>
+              <a:t>                    strides = 2    # downsample</a:t>
+            </a:r>
+          </a:p>
+          <a:p>
+            <a:endParaRPr lang="zh-CN" altLang="en-US" dirty="0"/>
+          </a:p>
+          <a:p>
+            <a:r>
+              <a:rPr lang="zh-CN" altLang="en-US" dirty="0"/>
+              <a:t>            # bottleneck residual unit</a:t>
+            </a:r>
+          </a:p>
+          <a:p>
+            <a:r>
+              <a:rPr lang="zh-CN" altLang="en-US" dirty="0"/>
+              <a:t>            y = resnet_layer(inputs=x</a:t>
+            </a:r>
+            <a:r>
+              <a:rPr lang="zh-CN" altLang="en-US" dirty="0" smtClean="0"/>
+              <a:t>, num</a:t>
+            </a:r>
+            <a:r>
+              <a:rPr lang="zh-CN" altLang="en-US" dirty="0"/>
+              <a:t>_filters=num_filters_in</a:t>
+            </a:r>
+            <a:r>
+              <a:rPr lang="zh-CN" altLang="en-US" dirty="0" smtClean="0"/>
+              <a:t>, kernel</a:t>
+            </a:r>
+            <a:r>
+              <a:rPr lang="zh-CN" altLang="en-US" dirty="0"/>
+              <a:t>_size=1</a:t>
+            </a:r>
+            <a:r>
+              <a:rPr lang="zh-CN" altLang="en-US" dirty="0" smtClean="0"/>
+              <a:t>, strides</a:t>
+            </a:r>
+            <a:r>
+              <a:rPr lang="zh-CN" altLang="en-US" dirty="0"/>
+              <a:t>=strides</a:t>
+            </a:r>
+            <a:r>
+              <a:rPr lang="zh-CN" altLang="en-US" dirty="0" smtClean="0"/>
+              <a:t>, activation</a:t>
+            </a:r>
+            <a:r>
+              <a:rPr lang="zh-CN" altLang="en-US" dirty="0"/>
+              <a:t>=activation</a:t>
+            </a:r>
+            <a:r>
+              <a:rPr lang="zh-CN" altLang="en-US" dirty="0" smtClean="0"/>
+              <a:t>, batch</a:t>
+            </a:r>
+            <a:r>
+              <a:rPr lang="zh-CN" altLang="en-US" dirty="0"/>
+              <a:t>_normalization=batch_normalization</a:t>
+            </a:r>
+            <a:r>
+              <a:rPr lang="zh-CN" altLang="en-US" dirty="0" smtClean="0"/>
+              <a:t>, conv</a:t>
+            </a:r>
+            <a:r>
+              <a:rPr lang="zh-CN" altLang="en-US" dirty="0"/>
+              <a:t>_first=False)</a:t>
+            </a:r>
+          </a:p>
+          <a:p>
+            <a:r>
+              <a:rPr lang="zh-CN" altLang="en-US" dirty="0"/>
+              <a:t>            y = resnet_layer(inputs=y</a:t>
+            </a:r>
+            <a:r>
+              <a:rPr lang="zh-CN" altLang="en-US" dirty="0" smtClean="0"/>
+              <a:t>, num</a:t>
+            </a:r>
+            <a:r>
+              <a:rPr lang="zh-CN" altLang="en-US" dirty="0"/>
+              <a:t>_filters=num_filters_in</a:t>
+            </a:r>
+            <a:r>
+              <a:rPr lang="zh-CN" altLang="en-US" dirty="0" smtClean="0"/>
+              <a:t>, conv</a:t>
+            </a:r>
+            <a:r>
+              <a:rPr lang="zh-CN" altLang="en-US" dirty="0"/>
+              <a:t>_first=False)</a:t>
+            </a:r>
+          </a:p>
+          <a:p>
+            <a:r>
+              <a:rPr lang="zh-CN" altLang="en-US" dirty="0"/>
+              <a:t>            y = resnet_layer(inputs=y</a:t>
+            </a:r>
+            <a:r>
+              <a:rPr lang="zh-CN" altLang="en-US" dirty="0" smtClean="0"/>
+              <a:t>, num</a:t>
+            </a:r>
+            <a:r>
+              <a:rPr lang="zh-CN" altLang="en-US" dirty="0"/>
+              <a:t>_filters=num_filters_out</a:t>
+            </a:r>
+            <a:r>
+              <a:rPr lang="zh-CN" altLang="en-US" dirty="0" smtClean="0"/>
+              <a:t>, kernel</a:t>
+            </a:r>
+            <a:r>
+              <a:rPr lang="zh-CN" altLang="en-US" dirty="0"/>
+              <a:t>_size=1</a:t>
+            </a:r>
+            <a:r>
+              <a:rPr lang="zh-CN" altLang="en-US" dirty="0" smtClean="0"/>
+              <a:t>, conv</a:t>
+            </a:r>
+            <a:r>
+              <a:rPr lang="zh-CN" altLang="en-US" dirty="0"/>
+              <a:t>_first=False)</a:t>
+            </a:r>
+          </a:p>
+        </p:txBody>
+      </p:sp>
+    </p:spTree>
+    <p:extLst>
+      <p:ext uri="{BB962C8B-B14F-4D97-AF65-F5344CB8AC3E}">
+        <p14:creationId xmlns:p14="http://schemas.microsoft.com/office/powerpoint/2010/main" val="1097250718"/>
+      </p:ext>
+    </p:extLst>
+  </p:cSld>
+  <p:clrMapOvr>
+    <a:masterClrMapping/>
+  </p:clrMapOvr>
+</p:sld>
+</file>
+
+<file path=ppt/slides/slide59.xml><?xml version="1.0" encoding="utf-8"?>
+<p:sld xmlns:a="http://schemas.openxmlformats.org/drawingml/2006/main" xmlns:r="http://schemas.openxmlformats.org/officeDocument/2006/relationships" xmlns:p="http://schemas.openxmlformats.org/presentationml/2006/main">
+  <p:cSld>
+    <p:spTree>
+      <p:nvGrpSpPr>
+        <p:cNvPr id="1" name=""/>
+        <p:cNvGrpSpPr/>
+        <p:nvPr/>
+      </p:nvGrpSpPr>
+      <p:grpSpPr>
+        <a:xfrm>
+          <a:off x="0" y="0"/>
+          <a:ext cx="0" cy="0"/>
+          <a:chOff x="0" y="0"/>
+          <a:chExt cx="0" cy="0"/>
+        </a:xfrm>
+      </p:grpSpPr>
+      <p:sp>
+        <p:nvSpPr>
+          <p:cNvPr id="3" name="标题 2"/>
+          <p:cNvSpPr>
+            <a:spLocks noGrp="1"/>
+          </p:cNvSpPr>
+          <p:nvPr>
+            <p:ph type="title"/>
+          </p:nvPr>
+        </p:nvSpPr>
+        <p:spPr/>
+        <p:txBody>
+          <a:bodyPr/>
+          <a:lstStyle/>
+          <a:p>
+            <a:r>
+              <a:rPr lang="en-US" altLang="zh-CN" dirty="0" smtClean="0"/>
+              <a:t>ResNet-110</a:t>
+            </a:r>
+            <a:endParaRPr lang="zh-CN" altLang="en-US" dirty="0"/>
+          </a:p>
+        </p:txBody>
+      </p:sp>
+      <p:sp>
+        <p:nvSpPr>
+          <p:cNvPr id="5" name="矩形 4"/>
+          <p:cNvSpPr/>
+          <p:nvPr/>
+        </p:nvSpPr>
+        <p:spPr>
+          <a:xfrm>
+            <a:off x="287524" y="1196752"/>
+            <a:ext cx="8280920" cy="3970318"/>
+          </a:xfrm>
+          <a:prstGeom prst="rect">
+            <a:avLst/>
+          </a:prstGeom>
+        </p:spPr>
+        <p:txBody>
+          <a:bodyPr wrap="square">
+            <a:spAutoFit/>
+          </a:bodyPr>
+          <a:lstStyle/>
+          <a:p>
+            <a:r>
+              <a:rPr lang="zh-CN" altLang="en-US" dirty="0" smtClean="0"/>
+              <a:t>    x </a:t>
+            </a:r>
+            <a:r>
+              <a:rPr lang="zh-CN" altLang="en-US" dirty="0"/>
+              <a:t>= BatchNormalization()(x)</a:t>
+            </a:r>
+          </a:p>
+          <a:p>
+            <a:r>
+              <a:rPr lang="zh-CN" altLang="en-US" dirty="0"/>
+              <a:t>    x = Activation('relu')(x)</a:t>
+            </a:r>
+          </a:p>
+          <a:p>
+            <a:r>
+              <a:rPr lang="zh-CN" altLang="en-US" dirty="0"/>
+              <a:t>    x = AveragePooling2D(pool_size=8)(x)</a:t>
+            </a:r>
+          </a:p>
+          <a:p>
+            <a:r>
+              <a:rPr lang="zh-CN" altLang="en-US" dirty="0"/>
+              <a:t>    y = Flatten()(x)</a:t>
+            </a:r>
+          </a:p>
+          <a:p>
+            <a:r>
+              <a:rPr lang="zh-CN" altLang="en-US" dirty="0"/>
+              <a:t>    outputs = Dense(num_classes,</a:t>
+            </a:r>
+          </a:p>
+          <a:p>
+            <a:r>
+              <a:rPr lang="zh-CN" altLang="en-US" dirty="0"/>
+              <a:t>                    activation='softmax',</a:t>
+            </a:r>
+          </a:p>
+          <a:p>
+            <a:r>
+              <a:rPr lang="zh-CN" altLang="en-US" dirty="0"/>
+              <a:t>                    kernel_initializer='he_normal')(y)</a:t>
+            </a:r>
+          </a:p>
+          <a:p>
+            <a:endParaRPr lang="zh-CN" altLang="en-US" dirty="0"/>
+          </a:p>
+          <a:p>
+            <a:r>
+              <a:rPr lang="zh-CN" altLang="en-US" dirty="0"/>
+              <a:t>    # Instantiate model.</a:t>
+            </a:r>
+          </a:p>
+          <a:p>
+            <a:r>
+              <a:rPr lang="zh-CN" altLang="en-US" dirty="0"/>
+              <a:t>    model = Model(inputs=inputs, outputs=outputs)</a:t>
+            </a:r>
+          </a:p>
+          <a:p>
+            <a:r>
+              <a:rPr lang="zh-CN" altLang="en-US" dirty="0"/>
+              <a:t>    return </a:t>
+            </a:r>
+            <a:r>
+              <a:rPr lang="zh-CN" altLang="en-US" dirty="0" smtClean="0"/>
+              <a:t>model</a:t>
+            </a:r>
+            <a:endParaRPr lang="en-US" altLang="zh-CN" dirty="0" smtClean="0"/>
+          </a:p>
+          <a:p>
+            <a:endParaRPr lang="en-US" altLang="zh-CN" dirty="0"/>
+          </a:p>
+          <a:p>
+            <a:r>
+              <a:rPr lang="en-US" altLang="zh-CN" dirty="0"/>
+              <a:t>depth = 110 </a:t>
+            </a:r>
+          </a:p>
+          <a:p>
+            <a:r>
+              <a:rPr lang="en-US" altLang="zh-CN" dirty="0"/>
+              <a:t>model = resnet_v2(</a:t>
+            </a:r>
+            <a:r>
+              <a:rPr lang="en-US" altLang="zh-CN" dirty="0" err="1"/>
+              <a:t>input_shape</a:t>
+            </a:r>
+            <a:r>
+              <a:rPr lang="en-US" altLang="zh-CN" dirty="0"/>
+              <a:t>=(32, 32, 3), depth=depth)</a:t>
+            </a:r>
+            <a:endParaRPr lang="zh-CN" altLang="en-US" dirty="0"/>
+          </a:p>
+        </p:txBody>
+      </p:sp>
+    </p:spTree>
+    <p:extLst>
+      <p:ext uri="{BB962C8B-B14F-4D97-AF65-F5344CB8AC3E}">
+        <p14:creationId xmlns:p14="http://schemas.microsoft.com/office/powerpoint/2010/main" val="964384893"/>
+      </p:ext>
+    </p:extLst>
+  </p:cSld>
+  <p:clrMapOvr>
+    <a:masterClrMapping/>
+  </p:clrMapOvr>
+</p:sld>
+</file>
+
 <file path=ppt/slides/slide6.xml><?xml version="1.0" encoding="utf-8"?>
 <p:sld xmlns:a="http://schemas.openxmlformats.org/drawingml/2006/main" xmlns:r="http://schemas.openxmlformats.org/officeDocument/2006/relationships" xmlns:p="http://schemas.openxmlformats.org/presentationml/2006/main">
   <p:cSld>
@@ -12835,6 +16200,166 @@
     <p:extLst>
       <p:ext uri="{BB962C8B-B14F-4D97-AF65-F5344CB8AC3E}">
         <p14:creationId xmlns:p14="http://schemas.microsoft.com/office/powerpoint/2010/main" val="1538407752"/>
+      </p:ext>
+    </p:extLst>
+  </p:cSld>
+  <p:clrMapOvr>
+    <a:masterClrMapping/>
+  </p:clrMapOvr>
+</p:sld>
+</file>
+
+<file path=ppt/slides/slide60.xml><?xml version="1.0" encoding="utf-8"?>
+<p:sld xmlns:a="http://schemas.openxmlformats.org/drawingml/2006/main" xmlns:r="http://schemas.openxmlformats.org/officeDocument/2006/relationships" xmlns:p="http://schemas.openxmlformats.org/presentationml/2006/main">
+  <p:cSld>
+    <p:spTree>
+      <p:nvGrpSpPr>
+        <p:cNvPr id="1" name=""/>
+        <p:cNvGrpSpPr/>
+        <p:nvPr/>
+      </p:nvGrpSpPr>
+      <p:grpSpPr>
+        <a:xfrm>
+          <a:off x="0" y="0"/>
+          <a:ext cx="0" cy="0"/>
+          <a:chOff x="0" y="0"/>
+          <a:chExt cx="0" cy="0"/>
+        </a:xfrm>
+      </p:grpSpPr>
+      <p:sp>
+        <p:nvSpPr>
+          <p:cNvPr id="2" name="内容占位符 1"/>
+          <p:cNvSpPr>
+            <a:spLocks noGrp="1"/>
+          </p:cNvSpPr>
+          <p:nvPr>
+            <p:ph sz="half" idx="2"/>
+          </p:nvPr>
+        </p:nvSpPr>
+        <p:spPr/>
+        <p:txBody>
+          <a:bodyPr/>
+          <a:lstStyle/>
+          <a:p>
+            <a:pPr marL="342900" indent="-342900">
+              <a:buFont typeface="Wingdings" panose="05000000000000000000" pitchFamily="2" charset="2"/>
+              <a:buChar char="l"/>
+            </a:pPr>
+            <a:r>
+              <a:rPr lang="en-US" altLang="zh-CN" dirty="0" smtClean="0"/>
+              <a:t>Conventional Models</a:t>
+            </a:r>
+          </a:p>
+          <a:p>
+            <a:pPr marL="342900" indent="-342900">
+              <a:buFont typeface="Wingdings" panose="05000000000000000000" pitchFamily="2" charset="2"/>
+              <a:buChar char="l"/>
+            </a:pPr>
+            <a:r>
+              <a:rPr lang="en-US" altLang="zh-CN" dirty="0" smtClean="0"/>
+              <a:t>With dimensionality reduction</a:t>
+            </a:r>
+          </a:p>
+          <a:p>
+            <a:pPr marL="342900" indent="-342900">
+              <a:buFont typeface="Wingdings" panose="05000000000000000000" pitchFamily="2" charset="2"/>
+              <a:buChar char="l"/>
+            </a:pPr>
+            <a:r>
+              <a:rPr lang="en-US" altLang="zh-CN" dirty="0" smtClean="0"/>
+              <a:t>One-layer CNN</a:t>
+            </a:r>
+          </a:p>
+          <a:p>
+            <a:pPr marL="342900" indent="-342900">
+              <a:buFont typeface="Wingdings" panose="05000000000000000000" pitchFamily="2" charset="2"/>
+              <a:buChar char="l"/>
+            </a:pPr>
+            <a:r>
+              <a:rPr lang="en-US" altLang="zh-CN" dirty="0" smtClean="0"/>
+              <a:t>With data augmentation</a:t>
+            </a:r>
+          </a:p>
+          <a:p>
+            <a:pPr marL="342900" indent="-342900">
+              <a:buFont typeface="Wingdings" panose="05000000000000000000" pitchFamily="2" charset="2"/>
+              <a:buChar char="l"/>
+            </a:pPr>
+            <a:r>
+              <a:rPr lang="en-US" altLang="zh-CN" dirty="0" smtClean="0"/>
+              <a:t>Six-layer CNN</a:t>
+            </a:r>
+          </a:p>
+          <a:p>
+            <a:pPr marL="342900" indent="-342900">
+              <a:buFont typeface="Wingdings" panose="05000000000000000000" pitchFamily="2" charset="2"/>
+              <a:buChar char="l"/>
+            </a:pPr>
+            <a:r>
+              <a:rPr lang="en-US" altLang="zh-CN" dirty="0" smtClean="0"/>
+              <a:t>11-layer VGG</a:t>
+            </a:r>
+          </a:p>
+          <a:p>
+            <a:pPr marL="342900" indent="-342900">
+              <a:buFont typeface="Wingdings" panose="05000000000000000000" pitchFamily="2" charset="2"/>
+              <a:buChar char="l"/>
+            </a:pPr>
+            <a:r>
+              <a:rPr lang="en-US" altLang="zh-CN" dirty="0" smtClean="0"/>
+              <a:t>With batch normalization</a:t>
+            </a:r>
+          </a:p>
+          <a:p>
+            <a:pPr marL="342900" indent="-342900">
+              <a:buFont typeface="Wingdings" panose="05000000000000000000" pitchFamily="2" charset="2"/>
+              <a:buChar char="l"/>
+            </a:pPr>
+            <a:r>
+              <a:rPr lang="en-US" altLang="zh-CN" dirty="0" smtClean="0"/>
+              <a:t>56-layer ResNet</a:t>
+            </a:r>
+          </a:p>
+          <a:p>
+            <a:pPr marL="342900" indent="-342900">
+              <a:buFont typeface="Wingdings" panose="05000000000000000000" pitchFamily="2" charset="2"/>
+              <a:buChar char="l"/>
+            </a:pPr>
+            <a:r>
+              <a:rPr lang="en-US" altLang="zh-CN" dirty="0" smtClean="0"/>
+              <a:t>110-layer ResNet</a:t>
+            </a:r>
+            <a:endParaRPr lang="zh-CN" altLang="en-US" dirty="0"/>
+          </a:p>
+        </p:txBody>
+      </p:sp>
+      <p:sp>
+        <p:nvSpPr>
+          <p:cNvPr id="3" name="标题 2"/>
+          <p:cNvSpPr>
+            <a:spLocks noGrp="1"/>
+          </p:cNvSpPr>
+          <p:nvPr>
+            <p:ph type="title"/>
+          </p:nvPr>
+        </p:nvSpPr>
+        <p:spPr/>
+        <p:txBody>
+          <a:bodyPr/>
+          <a:lstStyle/>
+          <a:p>
+            <a:r>
+              <a:rPr lang="en-US" altLang="zh-CN" dirty="0" smtClean="0"/>
+              <a:t>Tasks</a:t>
+            </a:r>
+            <a:endParaRPr lang="zh-CN" altLang="en-US" dirty="0"/>
+          </a:p>
+        </p:txBody>
+      </p:sp>
+    </p:spTree>
+    <p:extLst>
+      <p:ext uri="{BB962C8B-B14F-4D97-AF65-F5344CB8AC3E}">
+        <p14:creationId xmlns:p14="http://schemas.microsoft.com/office/powerpoint/2010/main" val="2001958311"/>
       </p:ext>
     </p:extLst>
   </p:cSld>
